--- a/EV3_Loom/EV3_Loom_Topology_V2_RCH.pptx
+++ b/EV3_Loom/EV3_Loom_Topology_V2_RCH.pptx
@@ -6,7 +6,8 @@
   </p:sldMasterIdLst>
   <p:sldIdLst>
     <p:sldId id="257" r:id="rId5"/>
-    <p:sldId id="256" r:id="rId6"/>
+    <p:sldId id="258" r:id="rId6"/>
+    <p:sldId id="256" r:id="rId7"/>
   </p:sldIdLst>
   <p:sldSz cx="15119350" cy="10691813"/>
   <p:notesSz cx="6858000" cy="9144000"/>
@@ -252,7 +253,7 @@
           <a:p>
             <a:fld id="{1102291F-AE0F-41BE-B119-27851E3C0948}" type="datetimeFigureOut">
               <a:rPr lang="en-AU" smtClean="0"/>
-              <a:t>15/03/2021</a:t>
+              <a:t>3/06/2021</a:t>
             </a:fld>
             <a:endParaRPr lang="en-AU"/>
           </a:p>
@@ -422,7 +423,7 @@
           <a:p>
             <a:fld id="{1102291F-AE0F-41BE-B119-27851E3C0948}" type="datetimeFigureOut">
               <a:rPr lang="en-AU" smtClean="0"/>
-              <a:t>15/03/2021</a:t>
+              <a:t>3/06/2021</a:t>
             </a:fld>
             <a:endParaRPr lang="en-AU"/>
           </a:p>
@@ -602,7 +603,7 @@
           <a:p>
             <a:fld id="{1102291F-AE0F-41BE-B119-27851E3C0948}" type="datetimeFigureOut">
               <a:rPr lang="en-AU" smtClean="0"/>
-              <a:t>15/03/2021</a:t>
+              <a:t>3/06/2021</a:t>
             </a:fld>
             <a:endParaRPr lang="en-AU"/>
           </a:p>
@@ -772,7 +773,7 @@
           <a:p>
             <a:fld id="{1102291F-AE0F-41BE-B119-27851E3C0948}" type="datetimeFigureOut">
               <a:rPr lang="en-AU" smtClean="0"/>
-              <a:t>15/03/2021</a:t>
+              <a:t>3/06/2021</a:t>
             </a:fld>
             <a:endParaRPr lang="en-AU"/>
           </a:p>
@@ -1016,7 +1017,7 @@
           <a:p>
             <a:fld id="{1102291F-AE0F-41BE-B119-27851E3C0948}" type="datetimeFigureOut">
               <a:rPr lang="en-AU" smtClean="0"/>
-              <a:t>15/03/2021</a:t>
+              <a:t>3/06/2021</a:t>
             </a:fld>
             <a:endParaRPr lang="en-AU"/>
           </a:p>
@@ -1248,7 +1249,7 @@
           <a:p>
             <a:fld id="{1102291F-AE0F-41BE-B119-27851E3C0948}" type="datetimeFigureOut">
               <a:rPr lang="en-AU" smtClean="0"/>
-              <a:t>15/03/2021</a:t>
+              <a:t>3/06/2021</a:t>
             </a:fld>
             <a:endParaRPr lang="en-AU"/>
           </a:p>
@@ -1615,7 +1616,7 @@
           <a:p>
             <a:fld id="{1102291F-AE0F-41BE-B119-27851E3C0948}" type="datetimeFigureOut">
               <a:rPr lang="en-AU" smtClean="0"/>
-              <a:t>15/03/2021</a:t>
+              <a:t>3/06/2021</a:t>
             </a:fld>
             <a:endParaRPr lang="en-AU"/>
           </a:p>
@@ -1733,7 +1734,7 @@
           <a:p>
             <a:fld id="{1102291F-AE0F-41BE-B119-27851E3C0948}" type="datetimeFigureOut">
               <a:rPr lang="en-AU" smtClean="0"/>
-              <a:t>15/03/2021</a:t>
+              <a:t>3/06/2021</a:t>
             </a:fld>
             <a:endParaRPr lang="en-AU"/>
           </a:p>
@@ -1828,7 +1829,7 @@
           <a:p>
             <a:fld id="{1102291F-AE0F-41BE-B119-27851E3C0948}" type="datetimeFigureOut">
               <a:rPr lang="en-AU" smtClean="0"/>
-              <a:t>15/03/2021</a:t>
+              <a:t>3/06/2021</a:t>
             </a:fld>
             <a:endParaRPr lang="en-AU"/>
           </a:p>
@@ -2105,7 +2106,7 @@
           <a:p>
             <a:fld id="{1102291F-AE0F-41BE-B119-27851E3C0948}" type="datetimeFigureOut">
               <a:rPr lang="en-AU" smtClean="0"/>
-              <a:t>15/03/2021</a:t>
+              <a:t>3/06/2021</a:t>
             </a:fld>
             <a:endParaRPr lang="en-AU"/>
           </a:p>
@@ -2362,7 +2363,7 @@
           <a:p>
             <a:fld id="{1102291F-AE0F-41BE-B119-27851E3C0948}" type="datetimeFigureOut">
               <a:rPr lang="en-AU" smtClean="0"/>
-              <a:t>15/03/2021</a:t>
+              <a:t>3/06/2021</a:t>
             </a:fld>
             <a:endParaRPr lang="en-AU"/>
           </a:p>
@@ -2575,7 +2576,7 @@
           <a:p>
             <a:fld id="{1102291F-AE0F-41BE-B119-27851E3C0948}" type="datetimeFigureOut">
               <a:rPr lang="en-AU" smtClean="0"/>
-              <a:t>15/03/2021</a:t>
+              <a:t>3/06/2021</a:t>
             </a:fld>
             <a:endParaRPr lang="en-AU"/>
           </a:p>
@@ -6565,6 +6566,3577 @@
         </p:nvSpPr>
         <p:spPr>
           <a:xfrm>
+            <a:off x="2534317" y="2978726"/>
+            <a:ext cx="1690255" cy="1219200"/>
+          </a:xfrm>
+          <a:prstGeom prst="rect">
+            <a:avLst/>
+          </a:prstGeom>
+        </p:spPr>
+        <p:style>
+          <a:lnRef idx="2">
+            <a:schemeClr val="accent3">
+              <a:shade val="50000"/>
+            </a:schemeClr>
+          </a:lnRef>
+          <a:fillRef idx="1">
+            <a:schemeClr val="accent3"/>
+          </a:fillRef>
+          <a:effectRef idx="0">
+            <a:schemeClr val="accent3"/>
+          </a:effectRef>
+          <a:fontRef idx="minor">
+            <a:schemeClr val="lt1"/>
+          </a:fontRef>
+        </p:style>
+        <p:txBody>
+          <a:bodyPr rtlCol="0" anchor="ctr"/>
+          <a:lstStyle/>
+          <a:p>
+            <a:pPr algn="ctr"/>
+            <a:r>
+              <a:rPr lang="en-AU" dirty="0">
+                <a:solidFill>
+                  <a:schemeClr val="tx1"/>
+                </a:solidFill>
+              </a:rPr>
+              <a:t>Dash</a:t>
+            </a:r>
+          </a:p>
+        </p:txBody>
+      </p:sp>
+      <p:sp>
+        <p:nvSpPr>
+          <p:cNvPr id="5" name="Rectangle 4">
+            <a:extLst>
+              <a:ext uri="{FF2B5EF4-FFF2-40B4-BE49-F238E27FC236}">
+                <a16:creationId xmlns:a16="http://schemas.microsoft.com/office/drawing/2014/main" id="{DAC4BFF2-1837-4B85-A6E7-A1BE8ADF6990}"/>
+              </a:ext>
+            </a:extLst>
+          </p:cNvPr>
+          <p:cNvSpPr/>
+          <p:nvPr/>
+        </p:nvSpPr>
+        <p:spPr>
+          <a:xfrm>
+            <a:off x="8765019" y="3422072"/>
+            <a:ext cx="1690255" cy="1219200"/>
+          </a:xfrm>
+          <a:prstGeom prst="rect">
+            <a:avLst/>
+          </a:prstGeom>
+        </p:spPr>
+        <p:style>
+          <a:lnRef idx="2">
+            <a:schemeClr val="accent3">
+              <a:shade val="50000"/>
+            </a:schemeClr>
+          </a:lnRef>
+          <a:fillRef idx="1">
+            <a:schemeClr val="accent3"/>
+          </a:fillRef>
+          <a:effectRef idx="0">
+            <a:schemeClr val="accent3"/>
+          </a:effectRef>
+          <a:fontRef idx="minor">
+            <a:schemeClr val="lt1"/>
+          </a:fontRef>
+        </p:style>
+        <p:txBody>
+          <a:bodyPr rtlCol="0" anchor="ctr"/>
+          <a:lstStyle/>
+          <a:p>
+            <a:pPr algn="ctr"/>
+            <a:r>
+              <a:rPr lang="en-AU" dirty="0">
+                <a:solidFill>
+                  <a:schemeClr val="tx1"/>
+                </a:solidFill>
+              </a:rPr>
+              <a:t>Rear Control Hub</a:t>
+            </a:r>
+          </a:p>
+        </p:txBody>
+      </p:sp>
+      <p:sp>
+        <p:nvSpPr>
+          <p:cNvPr id="6" name="Rectangle 5">
+            <a:extLst>
+              <a:ext uri="{FF2B5EF4-FFF2-40B4-BE49-F238E27FC236}">
+                <a16:creationId xmlns:a16="http://schemas.microsoft.com/office/drawing/2014/main" id="{69DEA372-D2B3-43D0-95A4-D505B2F91F0B}"/>
+              </a:ext>
+            </a:extLst>
+          </p:cNvPr>
+          <p:cNvSpPr/>
+          <p:nvPr/>
+        </p:nvSpPr>
+        <p:spPr>
+          <a:xfrm>
+            <a:off x="8902467" y="6698670"/>
+            <a:ext cx="1690255" cy="1219200"/>
+          </a:xfrm>
+          <a:prstGeom prst="rect">
+            <a:avLst/>
+          </a:prstGeom>
+        </p:spPr>
+        <p:style>
+          <a:lnRef idx="2">
+            <a:schemeClr val="accent3">
+              <a:shade val="50000"/>
+            </a:schemeClr>
+          </a:lnRef>
+          <a:fillRef idx="1">
+            <a:schemeClr val="accent3"/>
+          </a:fillRef>
+          <a:effectRef idx="0">
+            <a:schemeClr val="accent3"/>
+          </a:effectRef>
+          <a:fontRef idx="minor">
+            <a:schemeClr val="lt1"/>
+          </a:fontRef>
+        </p:style>
+        <p:txBody>
+          <a:bodyPr rtlCol="0" anchor="ctr"/>
+          <a:lstStyle/>
+          <a:p>
+            <a:pPr algn="ctr"/>
+            <a:r>
+              <a:rPr lang="en-AU" dirty="0">
+                <a:solidFill>
+                  <a:schemeClr val="tx1"/>
+                </a:solidFill>
+              </a:rPr>
+              <a:t>HVD</a:t>
+            </a:r>
+          </a:p>
+        </p:txBody>
+      </p:sp>
+      <p:sp>
+        <p:nvSpPr>
+          <p:cNvPr id="7" name="Rectangle 6">
+            <a:extLst>
+              <a:ext uri="{FF2B5EF4-FFF2-40B4-BE49-F238E27FC236}">
+                <a16:creationId xmlns:a16="http://schemas.microsoft.com/office/drawing/2014/main" id="{E1D9E731-DA09-4425-891B-6730FA972C39}"/>
+              </a:ext>
+            </a:extLst>
+          </p:cNvPr>
+          <p:cNvSpPr/>
+          <p:nvPr/>
+        </p:nvSpPr>
+        <p:spPr>
+          <a:xfrm>
+            <a:off x="12760466" y="6698670"/>
+            <a:ext cx="1690255" cy="1219200"/>
+          </a:xfrm>
+          <a:prstGeom prst="rect">
+            <a:avLst/>
+          </a:prstGeom>
+        </p:spPr>
+        <p:style>
+          <a:lnRef idx="2">
+            <a:schemeClr val="accent3">
+              <a:shade val="50000"/>
+            </a:schemeClr>
+          </a:lnRef>
+          <a:fillRef idx="1">
+            <a:schemeClr val="accent3"/>
+          </a:fillRef>
+          <a:effectRef idx="0">
+            <a:schemeClr val="accent3"/>
+          </a:effectRef>
+          <a:fontRef idx="minor">
+            <a:schemeClr val="lt1"/>
+          </a:fontRef>
+        </p:style>
+        <p:txBody>
+          <a:bodyPr rtlCol="0" anchor="ctr"/>
+          <a:lstStyle/>
+          <a:p>
+            <a:pPr algn="ctr"/>
+            <a:r>
+              <a:rPr lang="en-AU" dirty="0">
+                <a:solidFill>
+                  <a:schemeClr val="tx1"/>
+                </a:solidFill>
+              </a:rPr>
+              <a:t>Accumulator</a:t>
+            </a:r>
+          </a:p>
+        </p:txBody>
+      </p:sp>
+      <p:sp>
+        <p:nvSpPr>
+          <p:cNvPr id="8" name="Oval 7">
+            <a:extLst>
+              <a:ext uri="{FF2B5EF4-FFF2-40B4-BE49-F238E27FC236}">
+                <a16:creationId xmlns:a16="http://schemas.microsoft.com/office/drawing/2014/main" id="{40E27CD7-4A59-4EDB-A16B-CAF101535584}"/>
+              </a:ext>
+            </a:extLst>
+          </p:cNvPr>
+          <p:cNvSpPr/>
+          <p:nvPr/>
+        </p:nvSpPr>
+        <p:spPr>
+          <a:xfrm>
+            <a:off x="2593341" y="678872"/>
+            <a:ext cx="1565564" cy="1011382"/>
+          </a:xfrm>
+          <a:prstGeom prst="ellipse">
+            <a:avLst/>
+          </a:prstGeom>
+        </p:spPr>
+        <p:style>
+          <a:lnRef idx="2">
+            <a:schemeClr val="dk1"/>
+          </a:lnRef>
+          <a:fillRef idx="1">
+            <a:schemeClr val="lt1"/>
+          </a:fillRef>
+          <a:effectRef idx="0">
+            <a:schemeClr val="dk1"/>
+          </a:effectRef>
+          <a:fontRef idx="minor">
+            <a:schemeClr val="dk1"/>
+          </a:fontRef>
+        </p:style>
+        <p:txBody>
+          <a:bodyPr rtlCol="0" anchor="ctr"/>
+          <a:lstStyle/>
+          <a:p>
+            <a:pPr algn="ctr"/>
+            <a:r>
+              <a:rPr lang="en-AU" sz="1600" dirty="0"/>
+              <a:t>Steering Wheel</a:t>
+            </a:r>
+          </a:p>
+        </p:txBody>
+      </p:sp>
+      <p:sp>
+        <p:nvSpPr>
+          <p:cNvPr id="9" name="Oval 8">
+            <a:extLst>
+              <a:ext uri="{FF2B5EF4-FFF2-40B4-BE49-F238E27FC236}">
+                <a16:creationId xmlns:a16="http://schemas.microsoft.com/office/drawing/2014/main" id="{19F2A4AD-02B5-49CE-B33A-0B31977FDD3C}"/>
+              </a:ext>
+            </a:extLst>
+          </p:cNvPr>
+          <p:cNvSpPr/>
+          <p:nvPr/>
+        </p:nvSpPr>
+        <p:spPr>
+          <a:xfrm>
+            <a:off x="2596662" y="5486398"/>
+            <a:ext cx="1565564" cy="1011382"/>
+          </a:xfrm>
+          <a:prstGeom prst="ellipse">
+            <a:avLst/>
+          </a:prstGeom>
+          <a:solidFill>
+            <a:schemeClr val="bg2"/>
+          </a:solidFill>
+        </p:spPr>
+        <p:style>
+          <a:lnRef idx="2">
+            <a:schemeClr val="dk1"/>
+          </a:lnRef>
+          <a:fillRef idx="1">
+            <a:schemeClr val="lt1"/>
+          </a:fillRef>
+          <a:effectRef idx="0">
+            <a:schemeClr val="dk1"/>
+          </a:effectRef>
+          <a:fontRef idx="minor">
+            <a:schemeClr val="dk1"/>
+          </a:fontRef>
+        </p:style>
+        <p:txBody>
+          <a:bodyPr rtlCol="0" anchor="ctr"/>
+          <a:lstStyle/>
+          <a:p>
+            <a:pPr algn="ctr"/>
+            <a:r>
+              <a:rPr lang="en-AU" sz="1600" dirty="0"/>
+              <a:t>Pedal box</a:t>
+            </a:r>
+          </a:p>
+        </p:txBody>
+      </p:sp>
+      <p:sp>
+        <p:nvSpPr>
+          <p:cNvPr id="17" name="Oval 16">
+            <a:extLst>
+              <a:ext uri="{FF2B5EF4-FFF2-40B4-BE49-F238E27FC236}">
+                <a16:creationId xmlns:a16="http://schemas.microsoft.com/office/drawing/2014/main" id="{11391090-5835-4486-B809-E9493151150D}"/>
+              </a:ext>
+            </a:extLst>
+          </p:cNvPr>
+          <p:cNvSpPr/>
+          <p:nvPr/>
+        </p:nvSpPr>
+        <p:spPr>
+          <a:xfrm>
+            <a:off x="9971289" y="9026234"/>
+            <a:ext cx="1565564" cy="1011382"/>
+          </a:xfrm>
+          <a:prstGeom prst="ellipse">
+            <a:avLst/>
+          </a:prstGeom>
+          <a:solidFill>
+            <a:schemeClr val="bg2"/>
+          </a:solidFill>
+        </p:spPr>
+        <p:style>
+          <a:lnRef idx="2">
+            <a:schemeClr val="dk1"/>
+          </a:lnRef>
+          <a:fillRef idx="1">
+            <a:schemeClr val="lt1"/>
+          </a:fillRef>
+          <a:effectRef idx="0">
+            <a:schemeClr val="dk1"/>
+          </a:effectRef>
+          <a:fontRef idx="minor">
+            <a:schemeClr val="dk1"/>
+          </a:fontRef>
+        </p:style>
+        <p:txBody>
+          <a:bodyPr rtlCol="0" anchor="ctr"/>
+          <a:lstStyle/>
+          <a:p>
+            <a:pPr algn="ctr"/>
+            <a:r>
+              <a:rPr lang="en-AU" sz="1600" dirty="0"/>
+              <a:t>MC Right</a:t>
+            </a:r>
+          </a:p>
+        </p:txBody>
+      </p:sp>
+      <p:sp>
+        <p:nvSpPr>
+          <p:cNvPr id="18" name="Oval 17">
+            <a:extLst>
+              <a:ext uri="{FF2B5EF4-FFF2-40B4-BE49-F238E27FC236}">
+                <a16:creationId xmlns:a16="http://schemas.microsoft.com/office/drawing/2014/main" id="{F4FE3E2B-5FF5-4888-A7D0-AD6C02AD6F14}"/>
+              </a:ext>
+            </a:extLst>
+          </p:cNvPr>
+          <p:cNvSpPr/>
+          <p:nvPr/>
+        </p:nvSpPr>
+        <p:spPr>
+          <a:xfrm>
+            <a:off x="7979121" y="9026234"/>
+            <a:ext cx="1565564" cy="1011382"/>
+          </a:xfrm>
+          <a:prstGeom prst="ellipse">
+            <a:avLst/>
+          </a:prstGeom>
+          <a:solidFill>
+            <a:schemeClr val="bg2"/>
+          </a:solidFill>
+        </p:spPr>
+        <p:style>
+          <a:lnRef idx="2">
+            <a:schemeClr val="dk1"/>
+          </a:lnRef>
+          <a:fillRef idx="1">
+            <a:schemeClr val="lt1"/>
+          </a:fillRef>
+          <a:effectRef idx="0">
+            <a:schemeClr val="dk1"/>
+          </a:effectRef>
+          <a:fontRef idx="minor">
+            <a:schemeClr val="dk1"/>
+          </a:fontRef>
+        </p:style>
+        <p:txBody>
+          <a:bodyPr rtlCol="0" anchor="ctr"/>
+          <a:lstStyle/>
+          <a:p>
+            <a:pPr algn="ctr"/>
+            <a:r>
+              <a:rPr lang="en-AU" sz="1600" dirty="0"/>
+              <a:t>MC Left</a:t>
+            </a:r>
+          </a:p>
+        </p:txBody>
+      </p:sp>
+      <p:cxnSp>
+        <p:nvCxnSpPr>
+          <p:cNvPr id="24" name="Straight Connector 23">
+            <a:extLst>
+              <a:ext uri="{FF2B5EF4-FFF2-40B4-BE49-F238E27FC236}">
+                <a16:creationId xmlns:a16="http://schemas.microsoft.com/office/drawing/2014/main" id="{75E69A45-A3B0-42AF-85E8-0F13D4A1BCB5}"/>
+              </a:ext>
+            </a:extLst>
+          </p:cNvPr>
+          <p:cNvCxnSpPr>
+            <a:cxnSpLocks/>
+          </p:cNvCxnSpPr>
+          <p:nvPr/>
+        </p:nvCxnSpPr>
+        <p:spPr>
+          <a:xfrm flipH="1">
+            <a:off x="8761903" y="8527470"/>
+            <a:ext cx="985692" cy="0"/>
+          </a:xfrm>
+          <a:prstGeom prst="line">
+            <a:avLst/>
+          </a:prstGeom>
+        </p:spPr>
+        <p:style>
+          <a:lnRef idx="1">
+            <a:schemeClr val="dk1"/>
+          </a:lnRef>
+          <a:fillRef idx="0">
+            <a:schemeClr val="dk1"/>
+          </a:fillRef>
+          <a:effectRef idx="0">
+            <a:schemeClr val="dk1"/>
+          </a:effectRef>
+          <a:fontRef idx="minor">
+            <a:schemeClr val="tx1"/>
+          </a:fontRef>
+        </p:style>
+      </p:cxnSp>
+      <p:cxnSp>
+        <p:nvCxnSpPr>
+          <p:cNvPr id="27" name="Straight Connector 26">
+            <a:extLst>
+              <a:ext uri="{FF2B5EF4-FFF2-40B4-BE49-F238E27FC236}">
+                <a16:creationId xmlns:a16="http://schemas.microsoft.com/office/drawing/2014/main" id="{1ACFD10F-1896-42C7-AE9C-5CBF78A692E0}"/>
+              </a:ext>
+            </a:extLst>
+          </p:cNvPr>
+          <p:cNvCxnSpPr>
+            <a:cxnSpLocks/>
+          </p:cNvCxnSpPr>
+          <p:nvPr/>
+        </p:nvCxnSpPr>
+        <p:spPr>
+          <a:xfrm>
+            <a:off x="9747594" y="8527470"/>
+            <a:ext cx="1006477" cy="0"/>
+          </a:xfrm>
+          <a:prstGeom prst="line">
+            <a:avLst/>
+          </a:prstGeom>
+        </p:spPr>
+        <p:style>
+          <a:lnRef idx="1">
+            <a:schemeClr val="dk1"/>
+          </a:lnRef>
+          <a:fillRef idx="0">
+            <a:schemeClr val="dk1"/>
+          </a:fillRef>
+          <a:effectRef idx="0">
+            <a:schemeClr val="dk1"/>
+          </a:effectRef>
+          <a:fontRef idx="minor">
+            <a:schemeClr val="tx1"/>
+          </a:fontRef>
+        </p:style>
+      </p:cxnSp>
+      <p:sp>
+        <p:nvSpPr>
+          <p:cNvPr id="31" name="Oval 30">
+            <a:extLst>
+              <a:ext uri="{FF2B5EF4-FFF2-40B4-BE49-F238E27FC236}">
+                <a16:creationId xmlns:a16="http://schemas.microsoft.com/office/drawing/2014/main" id="{B64BA538-B559-4CFE-9570-5F8FF20B66F6}"/>
+              </a:ext>
+            </a:extLst>
+          </p:cNvPr>
+          <p:cNvSpPr/>
+          <p:nvPr/>
+        </p:nvSpPr>
+        <p:spPr>
+          <a:xfrm>
+            <a:off x="8275208" y="1000658"/>
+            <a:ext cx="1565564" cy="1011382"/>
+          </a:xfrm>
+          <a:prstGeom prst="ellipse">
+            <a:avLst/>
+          </a:prstGeom>
+          <a:solidFill>
+            <a:schemeClr val="bg2"/>
+          </a:solidFill>
+        </p:spPr>
+        <p:style>
+          <a:lnRef idx="2">
+            <a:schemeClr val="dk1"/>
+          </a:lnRef>
+          <a:fillRef idx="1">
+            <a:schemeClr val="lt1"/>
+          </a:fillRef>
+          <a:effectRef idx="0">
+            <a:schemeClr val="dk1"/>
+          </a:effectRef>
+          <a:fontRef idx="minor">
+            <a:schemeClr val="dk1"/>
+          </a:fontRef>
+        </p:style>
+        <p:txBody>
+          <a:bodyPr rtlCol="0" anchor="ctr"/>
+          <a:lstStyle/>
+          <a:p>
+            <a:pPr algn="ctr"/>
+            <a:r>
+              <a:rPr lang="en-AU" sz="1600" dirty="0"/>
+              <a:t>Toblerone</a:t>
+            </a:r>
+          </a:p>
+        </p:txBody>
+      </p:sp>
+      <p:sp>
+        <p:nvSpPr>
+          <p:cNvPr id="37" name="Oval 36">
+            <a:extLst>
+              <a:ext uri="{FF2B5EF4-FFF2-40B4-BE49-F238E27FC236}">
+                <a16:creationId xmlns:a16="http://schemas.microsoft.com/office/drawing/2014/main" id="{9EB1260C-554A-481C-8873-E0C852C68A81}"/>
+              </a:ext>
+            </a:extLst>
+          </p:cNvPr>
+          <p:cNvSpPr/>
+          <p:nvPr/>
+        </p:nvSpPr>
+        <p:spPr>
+          <a:xfrm>
+            <a:off x="165186" y="3979600"/>
+            <a:ext cx="1316247" cy="1011382"/>
+          </a:xfrm>
+          <a:prstGeom prst="ellipse">
+            <a:avLst/>
+          </a:prstGeom>
+        </p:spPr>
+        <p:style>
+          <a:lnRef idx="2">
+            <a:schemeClr val="dk1"/>
+          </a:lnRef>
+          <a:fillRef idx="1">
+            <a:schemeClr val="lt1"/>
+          </a:fillRef>
+          <a:effectRef idx="0">
+            <a:schemeClr val="dk1"/>
+          </a:effectRef>
+          <a:fontRef idx="minor">
+            <a:schemeClr val="dk1"/>
+          </a:fontRef>
+        </p:style>
+        <p:txBody>
+          <a:bodyPr rtlCol="0" anchor="ctr"/>
+          <a:lstStyle/>
+          <a:p>
+            <a:pPr algn="ctr"/>
+            <a:r>
+              <a:rPr lang="en-AU" sz="1600" dirty="0"/>
+              <a:t>Sensor Hub FL</a:t>
+            </a:r>
+          </a:p>
+        </p:txBody>
+      </p:sp>
+      <p:sp>
+        <p:nvSpPr>
+          <p:cNvPr id="38" name="Oval 37">
+            <a:extLst>
+              <a:ext uri="{FF2B5EF4-FFF2-40B4-BE49-F238E27FC236}">
+                <a16:creationId xmlns:a16="http://schemas.microsoft.com/office/drawing/2014/main" id="{5FAB88CF-334D-49D2-B548-5B5CF7DCAD7A}"/>
+              </a:ext>
+            </a:extLst>
+          </p:cNvPr>
+          <p:cNvSpPr/>
+          <p:nvPr/>
+        </p:nvSpPr>
+        <p:spPr>
+          <a:xfrm>
+            <a:off x="177880" y="2043544"/>
+            <a:ext cx="1348738" cy="1011382"/>
+          </a:xfrm>
+          <a:prstGeom prst="ellipse">
+            <a:avLst/>
+          </a:prstGeom>
+        </p:spPr>
+        <p:style>
+          <a:lnRef idx="2">
+            <a:schemeClr val="dk1"/>
+          </a:lnRef>
+          <a:fillRef idx="1">
+            <a:schemeClr val="lt1"/>
+          </a:fillRef>
+          <a:effectRef idx="0">
+            <a:schemeClr val="dk1"/>
+          </a:effectRef>
+          <a:fontRef idx="minor">
+            <a:schemeClr val="dk1"/>
+          </a:fontRef>
+        </p:style>
+        <p:txBody>
+          <a:bodyPr rtlCol="0" anchor="ctr"/>
+          <a:lstStyle/>
+          <a:p>
+            <a:pPr algn="ctr"/>
+            <a:r>
+              <a:rPr lang="en-AU" sz="1600" dirty="0"/>
+              <a:t>Sensor Hub FR</a:t>
+            </a:r>
+          </a:p>
+        </p:txBody>
+      </p:sp>
+      <p:sp>
+        <p:nvSpPr>
+          <p:cNvPr id="39" name="Oval 38">
+            <a:extLst>
+              <a:ext uri="{FF2B5EF4-FFF2-40B4-BE49-F238E27FC236}">
+                <a16:creationId xmlns:a16="http://schemas.microsoft.com/office/drawing/2014/main" id="{47A696F9-4FA6-4CE3-B594-921092E67A0A}"/>
+              </a:ext>
+            </a:extLst>
+          </p:cNvPr>
+          <p:cNvSpPr/>
+          <p:nvPr/>
+        </p:nvSpPr>
+        <p:spPr>
+          <a:xfrm>
+            <a:off x="11945583" y="4557612"/>
+            <a:ext cx="1565564" cy="1011382"/>
+          </a:xfrm>
+          <a:prstGeom prst="ellipse">
+            <a:avLst/>
+          </a:prstGeom>
+        </p:spPr>
+        <p:style>
+          <a:lnRef idx="2">
+            <a:schemeClr val="dk1"/>
+          </a:lnRef>
+          <a:fillRef idx="1">
+            <a:schemeClr val="lt1"/>
+          </a:fillRef>
+          <a:effectRef idx="0">
+            <a:schemeClr val="dk1"/>
+          </a:effectRef>
+          <a:fontRef idx="minor">
+            <a:schemeClr val="dk1"/>
+          </a:fontRef>
+        </p:style>
+        <p:txBody>
+          <a:bodyPr rtlCol="0" anchor="ctr"/>
+          <a:lstStyle/>
+          <a:p>
+            <a:pPr algn="ctr"/>
+            <a:r>
+              <a:rPr lang="en-AU" sz="1600" dirty="0"/>
+              <a:t>Sensor Hub RL</a:t>
+            </a:r>
+          </a:p>
+        </p:txBody>
+      </p:sp>
+      <p:sp>
+        <p:nvSpPr>
+          <p:cNvPr id="40" name="Oval 39">
+            <a:extLst>
+              <a:ext uri="{FF2B5EF4-FFF2-40B4-BE49-F238E27FC236}">
+                <a16:creationId xmlns:a16="http://schemas.microsoft.com/office/drawing/2014/main" id="{FE55B84D-2517-482B-A510-0C068FE0403B}"/>
+              </a:ext>
+            </a:extLst>
+          </p:cNvPr>
+          <p:cNvSpPr/>
+          <p:nvPr/>
+        </p:nvSpPr>
+        <p:spPr>
+          <a:xfrm>
+            <a:off x="11937710" y="2425123"/>
+            <a:ext cx="1565564" cy="1011382"/>
+          </a:xfrm>
+          <a:prstGeom prst="ellipse">
+            <a:avLst/>
+          </a:prstGeom>
+        </p:spPr>
+        <p:style>
+          <a:lnRef idx="2">
+            <a:schemeClr val="dk1"/>
+          </a:lnRef>
+          <a:fillRef idx="1">
+            <a:schemeClr val="lt1"/>
+          </a:fillRef>
+          <a:effectRef idx="0">
+            <a:schemeClr val="dk1"/>
+          </a:effectRef>
+          <a:fontRef idx="minor">
+            <a:schemeClr val="dk1"/>
+          </a:fontRef>
+        </p:style>
+        <p:txBody>
+          <a:bodyPr rtlCol="0" anchor="ctr"/>
+          <a:lstStyle/>
+          <a:p>
+            <a:pPr algn="ctr"/>
+            <a:r>
+              <a:rPr lang="en-AU" sz="1600" dirty="0"/>
+              <a:t>Sensor Hub RR</a:t>
+            </a:r>
+          </a:p>
+        </p:txBody>
+      </p:sp>
+      <p:cxnSp>
+        <p:nvCxnSpPr>
+          <p:cNvPr id="42" name="Straight Connector 41">
+            <a:extLst>
+              <a:ext uri="{FF2B5EF4-FFF2-40B4-BE49-F238E27FC236}">
+                <a16:creationId xmlns:a16="http://schemas.microsoft.com/office/drawing/2014/main" id="{C8E3CC95-A4F4-43E0-82C5-722F357D97B4}"/>
+              </a:ext>
+            </a:extLst>
+          </p:cNvPr>
+          <p:cNvCxnSpPr>
+            <a:cxnSpLocks/>
+            <a:endCxn id="44" idx="0"/>
+          </p:cNvCxnSpPr>
+          <p:nvPr/>
+        </p:nvCxnSpPr>
+        <p:spPr>
+          <a:xfrm>
+            <a:off x="5581215" y="678872"/>
+            <a:ext cx="0" cy="9072540"/>
+          </a:xfrm>
+          <a:prstGeom prst="line">
+            <a:avLst/>
+          </a:prstGeom>
+          <a:ln w="28575" cap="flat" cmpd="sng" algn="ctr">
+            <a:solidFill>
+              <a:schemeClr val="accent2"/>
+            </a:solidFill>
+            <a:prstDash val="dash"/>
+            <a:round/>
+            <a:headEnd type="none" w="med" len="med"/>
+            <a:tailEnd type="none" w="med" len="med"/>
+          </a:ln>
+        </p:spPr>
+        <p:style>
+          <a:lnRef idx="0">
+            <a:scrgbClr r="0" g="0" b="0"/>
+          </a:lnRef>
+          <a:fillRef idx="0">
+            <a:scrgbClr r="0" g="0" b="0"/>
+          </a:fillRef>
+          <a:effectRef idx="0">
+            <a:scrgbClr r="0" g="0" b="0"/>
+          </a:effectRef>
+          <a:fontRef idx="minor">
+            <a:schemeClr val="tx1"/>
+          </a:fontRef>
+        </p:style>
+      </p:cxnSp>
+      <p:sp>
+        <p:nvSpPr>
+          <p:cNvPr id="44" name="TextBox 43">
+            <a:extLst>
+              <a:ext uri="{FF2B5EF4-FFF2-40B4-BE49-F238E27FC236}">
+                <a16:creationId xmlns:a16="http://schemas.microsoft.com/office/drawing/2014/main" id="{4E50D6C1-F698-4370-BCF2-A1C1ECEAEB04}"/>
+              </a:ext>
+            </a:extLst>
+          </p:cNvPr>
+          <p:cNvSpPr txBox="1"/>
+          <p:nvPr/>
+        </p:nvSpPr>
+        <p:spPr>
+          <a:xfrm>
+            <a:off x="5124359" y="9751412"/>
+            <a:ext cx="913712" cy="369332"/>
+          </a:xfrm>
+          <a:prstGeom prst="rect">
+            <a:avLst/>
+          </a:prstGeom>
+          <a:noFill/>
+        </p:spPr>
+        <p:txBody>
+          <a:bodyPr wrap="none" rtlCol="0">
+            <a:spAutoFit/>
+          </a:bodyPr>
+          <a:lstStyle/>
+          <a:p>
+            <a:r>
+              <a:rPr lang="en-AU" dirty="0"/>
+              <a:t>Firewall</a:t>
+            </a:r>
+          </a:p>
+        </p:txBody>
+      </p:sp>
+      <p:sp>
+        <p:nvSpPr>
+          <p:cNvPr id="55" name="Oval 54">
+            <a:extLst>
+              <a:ext uri="{FF2B5EF4-FFF2-40B4-BE49-F238E27FC236}">
+                <a16:creationId xmlns:a16="http://schemas.microsoft.com/office/drawing/2014/main" id="{F6C3E1DF-90D2-4137-BE04-BA4A6A8493CC}"/>
+              </a:ext>
+            </a:extLst>
+          </p:cNvPr>
+          <p:cNvSpPr/>
+          <p:nvPr/>
+        </p:nvSpPr>
+        <p:spPr>
+          <a:xfrm>
+            <a:off x="5846660" y="4038920"/>
+            <a:ext cx="1565564" cy="1011382"/>
+          </a:xfrm>
+          <a:prstGeom prst="ellipse">
+            <a:avLst/>
+          </a:prstGeom>
+          <a:solidFill>
+            <a:schemeClr val="bg2"/>
+          </a:solidFill>
+        </p:spPr>
+        <p:style>
+          <a:lnRef idx="2">
+            <a:schemeClr val="dk1"/>
+          </a:lnRef>
+          <a:fillRef idx="1">
+            <a:schemeClr val="lt1"/>
+          </a:fillRef>
+          <a:effectRef idx="0">
+            <a:schemeClr val="dk1"/>
+          </a:effectRef>
+          <a:fontRef idx="minor">
+            <a:schemeClr val="dk1"/>
+          </a:fontRef>
+        </p:style>
+        <p:txBody>
+          <a:bodyPr rtlCol="0" anchor="ctr"/>
+          <a:lstStyle/>
+          <a:p>
+            <a:pPr algn="ctr"/>
+            <a:r>
+              <a:rPr lang="en-AU" sz="1600" dirty="0"/>
+              <a:t>Motor Cool Left</a:t>
+            </a:r>
+          </a:p>
+        </p:txBody>
+      </p:sp>
+      <p:sp>
+        <p:nvSpPr>
+          <p:cNvPr id="56" name="Oval 55">
+            <a:extLst>
+              <a:ext uri="{FF2B5EF4-FFF2-40B4-BE49-F238E27FC236}">
+                <a16:creationId xmlns:a16="http://schemas.microsoft.com/office/drawing/2014/main" id="{7580796B-0803-44DC-BE56-7E83E6ED8D30}"/>
+              </a:ext>
+            </a:extLst>
+          </p:cNvPr>
+          <p:cNvSpPr/>
+          <p:nvPr/>
+        </p:nvSpPr>
+        <p:spPr>
+          <a:xfrm>
+            <a:off x="5846660" y="5475383"/>
+            <a:ext cx="1565564" cy="1011382"/>
+          </a:xfrm>
+          <a:prstGeom prst="ellipse">
+            <a:avLst/>
+          </a:prstGeom>
+          <a:solidFill>
+            <a:schemeClr val="bg2"/>
+          </a:solidFill>
+        </p:spPr>
+        <p:style>
+          <a:lnRef idx="2">
+            <a:schemeClr val="dk1"/>
+          </a:lnRef>
+          <a:fillRef idx="1">
+            <a:schemeClr val="lt1"/>
+          </a:fillRef>
+          <a:effectRef idx="0">
+            <a:schemeClr val="dk1"/>
+          </a:effectRef>
+          <a:fontRef idx="minor">
+            <a:schemeClr val="dk1"/>
+          </a:fontRef>
+        </p:style>
+        <p:txBody>
+          <a:bodyPr rtlCol="0" anchor="ctr"/>
+          <a:lstStyle/>
+          <a:p>
+            <a:pPr algn="ctr"/>
+            <a:r>
+              <a:rPr lang="en-AU" sz="1600" dirty="0"/>
+              <a:t>Motor Cool Right</a:t>
+            </a:r>
+          </a:p>
+        </p:txBody>
+      </p:sp>
+      <p:sp>
+        <p:nvSpPr>
+          <p:cNvPr id="75" name="TextBox 74">
+            <a:extLst>
+              <a:ext uri="{FF2B5EF4-FFF2-40B4-BE49-F238E27FC236}">
+                <a16:creationId xmlns:a16="http://schemas.microsoft.com/office/drawing/2014/main" id="{C58CC260-54A1-4790-960D-FF8BE18988FD}"/>
+              </a:ext>
+            </a:extLst>
+          </p:cNvPr>
+          <p:cNvSpPr txBox="1"/>
+          <p:nvPr/>
+        </p:nvSpPr>
+        <p:spPr>
+          <a:xfrm>
+            <a:off x="5140724" y="309540"/>
+            <a:ext cx="913712" cy="369332"/>
+          </a:xfrm>
+          <a:prstGeom prst="rect">
+            <a:avLst/>
+          </a:prstGeom>
+          <a:noFill/>
+        </p:spPr>
+        <p:txBody>
+          <a:bodyPr wrap="none" rtlCol="0">
+            <a:spAutoFit/>
+          </a:bodyPr>
+          <a:lstStyle/>
+          <a:p>
+            <a:r>
+              <a:rPr lang="en-AU" dirty="0"/>
+              <a:t>Firewall</a:t>
+            </a:r>
+          </a:p>
+        </p:txBody>
+      </p:sp>
+      <p:sp>
+        <p:nvSpPr>
+          <p:cNvPr id="2" name="Rectangle: Rounded Corners 1">
+            <a:extLst>
+              <a:ext uri="{FF2B5EF4-FFF2-40B4-BE49-F238E27FC236}">
+                <a16:creationId xmlns:a16="http://schemas.microsoft.com/office/drawing/2014/main" id="{AA6E86AB-2885-4D9A-84CA-6367BC8B70C7}"/>
+              </a:ext>
+            </a:extLst>
+          </p:cNvPr>
+          <p:cNvSpPr/>
+          <p:nvPr/>
+        </p:nvSpPr>
+        <p:spPr>
+          <a:xfrm>
+            <a:off x="3151506" y="2702190"/>
+            <a:ext cx="449234" cy="276536"/>
+          </a:xfrm>
+          <a:prstGeom prst="roundRect">
+            <a:avLst/>
+          </a:prstGeom>
+          <a:solidFill>
+            <a:srgbClr val="FFFF00"/>
+          </a:solidFill>
+        </p:spPr>
+        <p:style>
+          <a:lnRef idx="2">
+            <a:schemeClr val="accent1">
+              <a:shade val="50000"/>
+            </a:schemeClr>
+          </a:lnRef>
+          <a:fillRef idx="1">
+            <a:schemeClr val="accent1"/>
+          </a:fillRef>
+          <a:effectRef idx="0">
+            <a:schemeClr val="accent1"/>
+          </a:effectRef>
+          <a:fontRef idx="minor">
+            <a:schemeClr val="lt1"/>
+          </a:fontRef>
+        </p:style>
+        <p:txBody>
+          <a:bodyPr rtlCol="0" anchor="ctr"/>
+          <a:lstStyle/>
+          <a:p>
+            <a:pPr algn="ctr"/>
+            <a:r>
+              <a:rPr lang="en-AU" dirty="0">
+                <a:solidFill>
+                  <a:sysClr val="windowText" lastClr="000000"/>
+                </a:solidFill>
+              </a:rPr>
+              <a:t>10</a:t>
+            </a:r>
+          </a:p>
+        </p:txBody>
+      </p:sp>
+      <p:sp>
+        <p:nvSpPr>
+          <p:cNvPr id="41" name="Rectangle: Rounded Corners 40">
+            <a:extLst>
+              <a:ext uri="{FF2B5EF4-FFF2-40B4-BE49-F238E27FC236}">
+                <a16:creationId xmlns:a16="http://schemas.microsoft.com/office/drawing/2014/main" id="{679431E1-BDAD-485A-A100-158DF7E56700}"/>
+              </a:ext>
+            </a:extLst>
+          </p:cNvPr>
+          <p:cNvSpPr/>
+          <p:nvPr/>
+        </p:nvSpPr>
+        <p:spPr>
+          <a:xfrm>
+            <a:off x="2084783" y="3054926"/>
+            <a:ext cx="449234" cy="276536"/>
+          </a:xfrm>
+          <a:prstGeom prst="roundRect">
+            <a:avLst/>
+          </a:prstGeom>
+          <a:solidFill>
+            <a:srgbClr val="FF0000"/>
+          </a:solidFill>
+        </p:spPr>
+        <p:style>
+          <a:lnRef idx="2">
+            <a:schemeClr val="accent1">
+              <a:shade val="50000"/>
+            </a:schemeClr>
+          </a:lnRef>
+          <a:fillRef idx="1">
+            <a:schemeClr val="accent1"/>
+          </a:fillRef>
+          <a:effectRef idx="0">
+            <a:schemeClr val="accent1"/>
+          </a:effectRef>
+          <a:fontRef idx="minor">
+            <a:schemeClr val="lt1"/>
+          </a:fontRef>
+        </p:style>
+        <p:txBody>
+          <a:bodyPr rtlCol="0" anchor="ctr"/>
+          <a:lstStyle/>
+          <a:p>
+            <a:pPr algn="ctr"/>
+            <a:r>
+              <a:rPr lang="en-AU" dirty="0"/>
+              <a:t>10</a:t>
+            </a:r>
+          </a:p>
+        </p:txBody>
+      </p:sp>
+      <p:sp>
+        <p:nvSpPr>
+          <p:cNvPr id="43" name="Rectangle: Rounded Corners 42">
+            <a:extLst>
+              <a:ext uri="{FF2B5EF4-FFF2-40B4-BE49-F238E27FC236}">
+                <a16:creationId xmlns:a16="http://schemas.microsoft.com/office/drawing/2014/main" id="{9687CACD-F001-4678-836A-4C95A123D2E0}"/>
+              </a:ext>
+            </a:extLst>
+          </p:cNvPr>
+          <p:cNvSpPr/>
+          <p:nvPr/>
+        </p:nvSpPr>
+        <p:spPr>
+          <a:xfrm>
+            <a:off x="2072778" y="3675195"/>
+            <a:ext cx="449234" cy="276536"/>
+          </a:xfrm>
+          <a:prstGeom prst="roundRect">
+            <a:avLst/>
+          </a:prstGeom>
+          <a:solidFill>
+            <a:srgbClr val="FF0000"/>
+          </a:solidFill>
+        </p:spPr>
+        <p:style>
+          <a:lnRef idx="2">
+            <a:schemeClr val="accent1">
+              <a:shade val="50000"/>
+            </a:schemeClr>
+          </a:lnRef>
+          <a:fillRef idx="1">
+            <a:schemeClr val="accent1"/>
+          </a:fillRef>
+          <a:effectRef idx="0">
+            <a:schemeClr val="accent1"/>
+          </a:effectRef>
+          <a:fontRef idx="minor">
+            <a:schemeClr val="lt1"/>
+          </a:fontRef>
+        </p:style>
+        <p:txBody>
+          <a:bodyPr rtlCol="0" anchor="ctr"/>
+          <a:lstStyle/>
+          <a:p>
+            <a:pPr algn="ctr"/>
+            <a:r>
+              <a:rPr lang="en-AU" dirty="0"/>
+              <a:t>10</a:t>
+            </a:r>
+          </a:p>
+        </p:txBody>
+      </p:sp>
+      <p:sp>
+        <p:nvSpPr>
+          <p:cNvPr id="45" name="Rectangle: Rounded Corners 44">
+            <a:extLst>
+              <a:ext uri="{FF2B5EF4-FFF2-40B4-BE49-F238E27FC236}">
+                <a16:creationId xmlns:a16="http://schemas.microsoft.com/office/drawing/2014/main" id="{2F7A53EE-AECA-4061-9F73-20398B742586}"/>
+              </a:ext>
+            </a:extLst>
+          </p:cNvPr>
+          <p:cNvSpPr/>
+          <p:nvPr/>
+        </p:nvSpPr>
+        <p:spPr>
+          <a:xfrm>
+            <a:off x="3159857" y="4197926"/>
+            <a:ext cx="449234" cy="276536"/>
+          </a:xfrm>
+          <a:prstGeom prst="roundRect">
+            <a:avLst/>
+          </a:prstGeom>
+          <a:solidFill>
+            <a:srgbClr val="FF0000"/>
+          </a:solidFill>
+        </p:spPr>
+        <p:style>
+          <a:lnRef idx="2">
+            <a:schemeClr val="accent1">
+              <a:shade val="50000"/>
+            </a:schemeClr>
+          </a:lnRef>
+          <a:fillRef idx="1">
+            <a:schemeClr val="accent1"/>
+          </a:fillRef>
+          <a:effectRef idx="0">
+            <a:schemeClr val="accent1"/>
+          </a:effectRef>
+          <a:fontRef idx="minor">
+            <a:schemeClr val="lt1"/>
+          </a:fontRef>
+        </p:style>
+        <p:txBody>
+          <a:bodyPr rtlCol="0" anchor="ctr"/>
+          <a:lstStyle/>
+          <a:p>
+            <a:pPr algn="ctr"/>
+            <a:r>
+              <a:rPr lang="en-AU" dirty="0"/>
+              <a:t>14</a:t>
+            </a:r>
+          </a:p>
+        </p:txBody>
+      </p:sp>
+      <p:sp>
+        <p:nvSpPr>
+          <p:cNvPr id="47" name="Rectangle: Rounded Corners 46">
+            <a:extLst>
+              <a:ext uri="{FF2B5EF4-FFF2-40B4-BE49-F238E27FC236}">
+                <a16:creationId xmlns:a16="http://schemas.microsoft.com/office/drawing/2014/main" id="{2CC46697-3612-409B-B308-CC0B9C66A760}"/>
+              </a:ext>
+            </a:extLst>
+          </p:cNvPr>
+          <p:cNvSpPr/>
+          <p:nvPr/>
+        </p:nvSpPr>
+        <p:spPr>
+          <a:xfrm>
+            <a:off x="4229638" y="3450058"/>
+            <a:ext cx="449234" cy="276536"/>
+          </a:xfrm>
+          <a:prstGeom prst="roundRect">
+            <a:avLst/>
+          </a:prstGeom>
+          <a:solidFill>
+            <a:srgbClr val="FFFF00"/>
+          </a:solidFill>
+        </p:spPr>
+        <p:style>
+          <a:lnRef idx="2">
+            <a:schemeClr val="accent1">
+              <a:shade val="50000"/>
+            </a:schemeClr>
+          </a:lnRef>
+          <a:fillRef idx="1">
+            <a:schemeClr val="accent1"/>
+          </a:fillRef>
+          <a:effectRef idx="0">
+            <a:schemeClr val="accent1"/>
+          </a:effectRef>
+          <a:fontRef idx="minor">
+            <a:schemeClr val="lt1"/>
+          </a:fontRef>
+        </p:style>
+        <p:txBody>
+          <a:bodyPr rtlCol="0" anchor="ctr"/>
+          <a:lstStyle/>
+          <a:p>
+            <a:pPr algn="ctr"/>
+            <a:r>
+              <a:rPr lang="en-AU" dirty="0">
+                <a:solidFill>
+                  <a:sysClr val="windowText" lastClr="000000"/>
+                </a:solidFill>
+              </a:rPr>
+              <a:t>12</a:t>
+            </a:r>
+          </a:p>
+        </p:txBody>
+      </p:sp>
+      <p:sp>
+        <p:nvSpPr>
+          <p:cNvPr id="48" name="Rectangle: Rounded Corners 47">
+            <a:extLst>
+              <a:ext uri="{FF2B5EF4-FFF2-40B4-BE49-F238E27FC236}">
+                <a16:creationId xmlns:a16="http://schemas.microsoft.com/office/drawing/2014/main" id="{F1E4EF61-CB23-4F6C-A421-ED4E35BE16AF}"/>
+              </a:ext>
+            </a:extLst>
+          </p:cNvPr>
+          <p:cNvSpPr/>
+          <p:nvPr/>
+        </p:nvSpPr>
+        <p:spPr>
+          <a:xfrm>
+            <a:off x="627632" y="3068226"/>
+            <a:ext cx="449234" cy="276536"/>
+          </a:xfrm>
+          <a:prstGeom prst="roundRect">
+            <a:avLst/>
+          </a:prstGeom>
+          <a:solidFill>
+            <a:srgbClr val="FF0000"/>
+          </a:solidFill>
+        </p:spPr>
+        <p:style>
+          <a:lnRef idx="2">
+            <a:schemeClr val="accent1">
+              <a:shade val="50000"/>
+            </a:schemeClr>
+          </a:lnRef>
+          <a:fillRef idx="1">
+            <a:schemeClr val="accent1"/>
+          </a:fillRef>
+          <a:effectRef idx="0">
+            <a:schemeClr val="accent1"/>
+          </a:effectRef>
+          <a:fontRef idx="minor">
+            <a:schemeClr val="lt1"/>
+          </a:fontRef>
+        </p:style>
+        <p:txBody>
+          <a:bodyPr rtlCol="0" anchor="ctr"/>
+          <a:lstStyle/>
+          <a:p>
+            <a:pPr algn="ctr"/>
+            <a:r>
+              <a:rPr lang="en-AU" dirty="0"/>
+              <a:t>10</a:t>
+            </a:r>
+          </a:p>
+        </p:txBody>
+      </p:sp>
+      <p:sp>
+        <p:nvSpPr>
+          <p:cNvPr id="49" name="Rectangle: Rounded Corners 48">
+            <a:extLst>
+              <a:ext uri="{FF2B5EF4-FFF2-40B4-BE49-F238E27FC236}">
+                <a16:creationId xmlns:a16="http://schemas.microsoft.com/office/drawing/2014/main" id="{E0381915-863B-4432-BDD4-FF7CA54F01FF}"/>
+              </a:ext>
+            </a:extLst>
+          </p:cNvPr>
+          <p:cNvSpPr/>
+          <p:nvPr/>
+        </p:nvSpPr>
+        <p:spPr>
+          <a:xfrm>
+            <a:off x="598692" y="3693920"/>
+            <a:ext cx="449234" cy="276536"/>
+          </a:xfrm>
+          <a:prstGeom prst="roundRect">
+            <a:avLst/>
+          </a:prstGeom>
+          <a:solidFill>
+            <a:srgbClr val="FF0000"/>
+          </a:solidFill>
+        </p:spPr>
+        <p:style>
+          <a:lnRef idx="2">
+            <a:schemeClr val="accent1">
+              <a:shade val="50000"/>
+            </a:schemeClr>
+          </a:lnRef>
+          <a:fillRef idx="1">
+            <a:schemeClr val="accent1"/>
+          </a:fillRef>
+          <a:effectRef idx="0">
+            <a:schemeClr val="accent1"/>
+          </a:effectRef>
+          <a:fontRef idx="minor">
+            <a:schemeClr val="lt1"/>
+          </a:fontRef>
+        </p:style>
+        <p:txBody>
+          <a:bodyPr rtlCol="0" anchor="ctr"/>
+          <a:lstStyle/>
+          <a:p>
+            <a:pPr algn="ctr"/>
+            <a:r>
+              <a:rPr lang="en-AU" dirty="0"/>
+              <a:t>10</a:t>
+            </a:r>
+          </a:p>
+        </p:txBody>
+      </p:sp>
+      <p:sp>
+        <p:nvSpPr>
+          <p:cNvPr id="50" name="Rectangle: Rounded Corners 49">
+            <a:extLst>
+              <a:ext uri="{FF2B5EF4-FFF2-40B4-BE49-F238E27FC236}">
+                <a16:creationId xmlns:a16="http://schemas.microsoft.com/office/drawing/2014/main" id="{441E464E-6A06-45A9-963D-FB5F1E31D716}"/>
+              </a:ext>
+            </a:extLst>
+          </p:cNvPr>
+          <p:cNvSpPr/>
+          <p:nvPr/>
+        </p:nvSpPr>
+        <p:spPr>
+          <a:xfrm>
+            <a:off x="3159855" y="5214986"/>
+            <a:ext cx="449234" cy="276536"/>
+          </a:xfrm>
+          <a:prstGeom prst="roundRect">
+            <a:avLst/>
+          </a:prstGeom>
+          <a:solidFill>
+            <a:srgbClr val="FF0000"/>
+          </a:solidFill>
+        </p:spPr>
+        <p:style>
+          <a:lnRef idx="2">
+            <a:schemeClr val="accent1">
+              <a:shade val="50000"/>
+            </a:schemeClr>
+          </a:lnRef>
+          <a:fillRef idx="1">
+            <a:schemeClr val="accent1"/>
+          </a:fillRef>
+          <a:effectRef idx="0">
+            <a:schemeClr val="accent1"/>
+          </a:effectRef>
+          <a:fontRef idx="minor">
+            <a:schemeClr val="lt1"/>
+          </a:fontRef>
+        </p:style>
+        <p:txBody>
+          <a:bodyPr rtlCol="0" anchor="ctr"/>
+          <a:lstStyle/>
+          <a:p>
+            <a:pPr algn="ctr"/>
+            <a:r>
+              <a:rPr lang="en-AU" dirty="0"/>
+              <a:t>14</a:t>
+            </a:r>
+          </a:p>
+        </p:txBody>
+      </p:sp>
+      <p:cxnSp>
+        <p:nvCxnSpPr>
+          <p:cNvPr id="14" name="Straight Connector 13">
+            <a:extLst>
+              <a:ext uri="{FF2B5EF4-FFF2-40B4-BE49-F238E27FC236}">
+                <a16:creationId xmlns:a16="http://schemas.microsoft.com/office/drawing/2014/main" id="{79EA8F00-0195-4855-BCD3-F13D1F2DE598}"/>
+              </a:ext>
+            </a:extLst>
+          </p:cNvPr>
+          <p:cNvCxnSpPr>
+            <a:stCxn id="48" idx="3"/>
+            <a:endCxn id="41" idx="1"/>
+          </p:cNvCxnSpPr>
+          <p:nvPr/>
+        </p:nvCxnSpPr>
+        <p:spPr>
+          <a:xfrm flipV="1">
+            <a:off x="1076866" y="3193194"/>
+            <a:ext cx="1007917" cy="13300"/>
+          </a:xfrm>
+          <a:prstGeom prst="line">
+            <a:avLst/>
+          </a:prstGeom>
+        </p:spPr>
+        <p:style>
+          <a:lnRef idx="1">
+            <a:schemeClr val="accent1"/>
+          </a:lnRef>
+          <a:fillRef idx="0">
+            <a:schemeClr val="accent1"/>
+          </a:fillRef>
+          <a:effectRef idx="0">
+            <a:schemeClr val="accent1"/>
+          </a:effectRef>
+          <a:fontRef idx="minor">
+            <a:schemeClr val="tx1"/>
+          </a:fontRef>
+        </p:style>
+      </p:cxnSp>
+      <p:cxnSp>
+        <p:nvCxnSpPr>
+          <p:cNvPr id="19" name="Straight Connector 18">
+            <a:extLst>
+              <a:ext uri="{FF2B5EF4-FFF2-40B4-BE49-F238E27FC236}">
+                <a16:creationId xmlns:a16="http://schemas.microsoft.com/office/drawing/2014/main" id="{6425B44A-5245-4BB2-9C6A-B38B2B15A827}"/>
+              </a:ext>
+            </a:extLst>
+          </p:cNvPr>
+          <p:cNvCxnSpPr>
+            <a:stCxn id="49" idx="3"/>
+            <a:endCxn id="43" idx="1"/>
+          </p:cNvCxnSpPr>
+          <p:nvPr/>
+        </p:nvCxnSpPr>
+        <p:spPr>
+          <a:xfrm flipV="1">
+            <a:off x="1047926" y="3813463"/>
+            <a:ext cx="1024852" cy="18725"/>
+          </a:xfrm>
+          <a:prstGeom prst="line">
+            <a:avLst/>
+          </a:prstGeom>
+        </p:spPr>
+        <p:style>
+          <a:lnRef idx="1">
+            <a:schemeClr val="accent1"/>
+          </a:lnRef>
+          <a:fillRef idx="0">
+            <a:schemeClr val="accent1"/>
+          </a:fillRef>
+          <a:effectRef idx="0">
+            <a:schemeClr val="accent1"/>
+          </a:effectRef>
+          <a:fontRef idx="minor">
+            <a:schemeClr val="tx1"/>
+          </a:fontRef>
+        </p:style>
+      </p:cxnSp>
+      <p:cxnSp>
+        <p:nvCxnSpPr>
+          <p:cNvPr id="23" name="Straight Connector 22">
+            <a:extLst>
+              <a:ext uri="{FF2B5EF4-FFF2-40B4-BE49-F238E27FC236}">
+                <a16:creationId xmlns:a16="http://schemas.microsoft.com/office/drawing/2014/main" id="{815F657B-5BFD-44C0-9EC9-0662E0912C1B}"/>
+              </a:ext>
+            </a:extLst>
+          </p:cNvPr>
+          <p:cNvCxnSpPr>
+            <a:stCxn id="45" idx="2"/>
+            <a:endCxn id="50" idx="0"/>
+          </p:cNvCxnSpPr>
+          <p:nvPr/>
+        </p:nvCxnSpPr>
+        <p:spPr>
+          <a:xfrm flipH="1">
+            <a:off x="3384472" y="4474462"/>
+            <a:ext cx="2" cy="740524"/>
+          </a:xfrm>
+          <a:prstGeom prst="line">
+            <a:avLst/>
+          </a:prstGeom>
+        </p:spPr>
+        <p:style>
+          <a:lnRef idx="1">
+            <a:schemeClr val="accent1"/>
+          </a:lnRef>
+          <a:fillRef idx="0">
+            <a:schemeClr val="accent1"/>
+          </a:fillRef>
+          <a:effectRef idx="0">
+            <a:schemeClr val="accent1"/>
+          </a:effectRef>
+          <a:fontRef idx="minor">
+            <a:schemeClr val="tx1"/>
+          </a:fontRef>
+        </p:style>
+      </p:cxnSp>
+      <p:sp>
+        <p:nvSpPr>
+          <p:cNvPr id="53" name="Rectangle: Rounded Corners 52">
+            <a:extLst>
+              <a:ext uri="{FF2B5EF4-FFF2-40B4-BE49-F238E27FC236}">
+                <a16:creationId xmlns:a16="http://schemas.microsoft.com/office/drawing/2014/main" id="{9BDF7DF4-7307-441D-BE13-2499630AC610}"/>
+              </a:ext>
+            </a:extLst>
+          </p:cNvPr>
+          <p:cNvSpPr/>
+          <p:nvPr/>
+        </p:nvSpPr>
+        <p:spPr>
+          <a:xfrm>
+            <a:off x="3151506" y="1695932"/>
+            <a:ext cx="449234" cy="276536"/>
+          </a:xfrm>
+          <a:prstGeom prst="roundRect">
+            <a:avLst/>
+          </a:prstGeom>
+          <a:solidFill>
+            <a:srgbClr val="FFFF00"/>
+          </a:solidFill>
+        </p:spPr>
+        <p:style>
+          <a:lnRef idx="2">
+            <a:schemeClr val="accent1">
+              <a:shade val="50000"/>
+            </a:schemeClr>
+          </a:lnRef>
+          <a:fillRef idx="1">
+            <a:schemeClr val="accent1"/>
+          </a:fillRef>
+          <a:effectRef idx="0">
+            <a:schemeClr val="accent1"/>
+          </a:effectRef>
+          <a:fontRef idx="minor">
+            <a:schemeClr val="lt1"/>
+          </a:fontRef>
+        </p:style>
+        <p:txBody>
+          <a:bodyPr rtlCol="0" anchor="ctr"/>
+          <a:lstStyle/>
+          <a:p>
+            <a:pPr algn="ctr"/>
+            <a:r>
+              <a:rPr lang="en-AU" dirty="0">
+                <a:solidFill>
+                  <a:sysClr val="windowText" lastClr="000000"/>
+                </a:solidFill>
+              </a:rPr>
+              <a:t>10</a:t>
+            </a:r>
+          </a:p>
+        </p:txBody>
+      </p:sp>
+      <p:cxnSp>
+        <p:nvCxnSpPr>
+          <p:cNvPr id="26" name="Straight Connector 25">
+            <a:extLst>
+              <a:ext uri="{FF2B5EF4-FFF2-40B4-BE49-F238E27FC236}">
+                <a16:creationId xmlns:a16="http://schemas.microsoft.com/office/drawing/2014/main" id="{22880E12-C25F-406B-9DCE-22F8C5083B53}"/>
+              </a:ext>
+            </a:extLst>
+          </p:cNvPr>
+          <p:cNvCxnSpPr>
+            <a:stCxn id="53" idx="2"/>
+            <a:endCxn id="2" idx="0"/>
+          </p:cNvCxnSpPr>
+          <p:nvPr/>
+        </p:nvCxnSpPr>
+        <p:spPr>
+          <a:xfrm>
+            <a:off x="3376123" y="1972468"/>
+            <a:ext cx="0" cy="729722"/>
+          </a:xfrm>
+          <a:prstGeom prst="line">
+            <a:avLst/>
+          </a:prstGeom>
+        </p:spPr>
+        <p:style>
+          <a:lnRef idx="1">
+            <a:schemeClr val="accent1"/>
+          </a:lnRef>
+          <a:fillRef idx="0">
+            <a:schemeClr val="accent1"/>
+          </a:fillRef>
+          <a:effectRef idx="0">
+            <a:schemeClr val="accent1"/>
+          </a:effectRef>
+          <a:fontRef idx="minor">
+            <a:schemeClr val="tx1"/>
+          </a:fontRef>
+        </p:style>
+      </p:cxnSp>
+      <p:sp>
+        <p:nvSpPr>
+          <p:cNvPr id="57" name="Rectangle: Rounded Corners 56">
+            <a:extLst>
+              <a:ext uri="{FF2B5EF4-FFF2-40B4-BE49-F238E27FC236}">
+                <a16:creationId xmlns:a16="http://schemas.microsoft.com/office/drawing/2014/main" id="{46C751A1-0DC0-4010-AC51-8922EAD6F1E9}"/>
+              </a:ext>
+            </a:extLst>
+          </p:cNvPr>
+          <p:cNvSpPr/>
+          <p:nvPr/>
+        </p:nvSpPr>
+        <p:spPr>
+          <a:xfrm>
+            <a:off x="8311275" y="3439016"/>
+            <a:ext cx="449234" cy="276536"/>
+          </a:xfrm>
+          <a:prstGeom prst="roundRect">
+            <a:avLst/>
+          </a:prstGeom>
+          <a:solidFill>
+            <a:srgbClr val="FFFF00"/>
+          </a:solidFill>
+        </p:spPr>
+        <p:style>
+          <a:lnRef idx="2">
+            <a:schemeClr val="accent1">
+              <a:shade val="50000"/>
+            </a:schemeClr>
+          </a:lnRef>
+          <a:fillRef idx="1">
+            <a:schemeClr val="accent1"/>
+          </a:fillRef>
+          <a:effectRef idx="0">
+            <a:schemeClr val="accent1"/>
+          </a:effectRef>
+          <a:fontRef idx="minor">
+            <a:schemeClr val="lt1"/>
+          </a:fontRef>
+        </p:style>
+        <p:txBody>
+          <a:bodyPr rtlCol="0" anchor="ctr"/>
+          <a:lstStyle/>
+          <a:p>
+            <a:pPr algn="ctr"/>
+            <a:r>
+              <a:rPr lang="en-AU" dirty="0">
+                <a:solidFill>
+                  <a:sysClr val="windowText" lastClr="000000"/>
+                </a:solidFill>
+              </a:rPr>
+              <a:t>12</a:t>
+            </a:r>
+          </a:p>
+        </p:txBody>
+      </p:sp>
+      <p:sp>
+        <p:nvSpPr>
+          <p:cNvPr id="58" name="Rectangle: Rounded Corners 57">
+            <a:extLst>
+              <a:ext uri="{FF2B5EF4-FFF2-40B4-BE49-F238E27FC236}">
+                <a16:creationId xmlns:a16="http://schemas.microsoft.com/office/drawing/2014/main" id="{8EA85C40-B6EC-4701-AF83-A2230300C430}"/>
+              </a:ext>
+            </a:extLst>
+          </p:cNvPr>
+          <p:cNvSpPr/>
+          <p:nvPr/>
+        </p:nvSpPr>
+        <p:spPr>
+          <a:xfrm>
+            <a:off x="8809083" y="2026030"/>
+            <a:ext cx="449234" cy="276536"/>
+          </a:xfrm>
+          <a:prstGeom prst="roundRect">
+            <a:avLst/>
+          </a:prstGeom>
+          <a:solidFill>
+            <a:srgbClr val="FFFF00"/>
+          </a:solidFill>
+        </p:spPr>
+        <p:style>
+          <a:lnRef idx="2">
+            <a:schemeClr val="accent1">
+              <a:shade val="50000"/>
+            </a:schemeClr>
+          </a:lnRef>
+          <a:fillRef idx="1">
+            <a:schemeClr val="accent1"/>
+          </a:fillRef>
+          <a:effectRef idx="0">
+            <a:schemeClr val="accent1"/>
+          </a:effectRef>
+          <a:fontRef idx="minor">
+            <a:schemeClr val="lt1"/>
+          </a:fontRef>
+        </p:style>
+        <p:txBody>
+          <a:bodyPr rtlCol="0" anchor="ctr"/>
+          <a:lstStyle/>
+          <a:p>
+            <a:pPr algn="ctr"/>
+            <a:r>
+              <a:rPr lang="en-AU" dirty="0">
+                <a:solidFill>
+                  <a:sysClr val="windowText" lastClr="000000"/>
+                </a:solidFill>
+              </a:rPr>
+              <a:t>10</a:t>
+            </a:r>
+          </a:p>
+        </p:txBody>
+      </p:sp>
+      <p:sp>
+        <p:nvSpPr>
+          <p:cNvPr id="60" name="Rectangle: Rounded Corners 59">
+            <a:extLst>
+              <a:ext uri="{FF2B5EF4-FFF2-40B4-BE49-F238E27FC236}">
+                <a16:creationId xmlns:a16="http://schemas.microsoft.com/office/drawing/2014/main" id="{CACA96F0-B722-4598-BDF8-1D9A115ED14A}"/>
+              </a:ext>
+            </a:extLst>
+          </p:cNvPr>
+          <p:cNvSpPr/>
+          <p:nvPr/>
+        </p:nvSpPr>
+        <p:spPr>
+          <a:xfrm>
+            <a:off x="8821673" y="3145536"/>
+            <a:ext cx="449234" cy="276536"/>
+          </a:xfrm>
+          <a:prstGeom prst="roundRect">
+            <a:avLst/>
+          </a:prstGeom>
+          <a:solidFill>
+            <a:srgbClr val="FFFF00"/>
+          </a:solidFill>
+        </p:spPr>
+        <p:style>
+          <a:lnRef idx="2">
+            <a:schemeClr val="accent1">
+              <a:shade val="50000"/>
+            </a:schemeClr>
+          </a:lnRef>
+          <a:fillRef idx="1">
+            <a:schemeClr val="accent1"/>
+          </a:fillRef>
+          <a:effectRef idx="0">
+            <a:schemeClr val="accent1"/>
+          </a:effectRef>
+          <a:fontRef idx="minor">
+            <a:schemeClr val="lt1"/>
+          </a:fontRef>
+        </p:style>
+        <p:txBody>
+          <a:bodyPr rtlCol="0" anchor="ctr"/>
+          <a:lstStyle/>
+          <a:p>
+            <a:pPr algn="ctr"/>
+            <a:r>
+              <a:rPr lang="en-AU" dirty="0">
+                <a:solidFill>
+                  <a:sysClr val="windowText" lastClr="000000"/>
+                </a:solidFill>
+              </a:rPr>
+              <a:t>10</a:t>
+            </a:r>
+          </a:p>
+        </p:txBody>
+      </p:sp>
+      <p:sp>
+        <p:nvSpPr>
+          <p:cNvPr id="62" name="Rectangle: Rounded Corners 61">
+            <a:extLst>
+              <a:ext uri="{FF2B5EF4-FFF2-40B4-BE49-F238E27FC236}">
+                <a16:creationId xmlns:a16="http://schemas.microsoft.com/office/drawing/2014/main" id="{5331D8F7-4263-48C6-993A-7EA3FE1F0117}"/>
+              </a:ext>
+            </a:extLst>
+          </p:cNvPr>
+          <p:cNvSpPr/>
+          <p:nvPr/>
+        </p:nvSpPr>
+        <p:spPr>
+          <a:xfrm>
+            <a:off x="8304274" y="4375565"/>
+            <a:ext cx="449234" cy="276536"/>
+          </a:xfrm>
+          <a:prstGeom prst="roundRect">
+            <a:avLst/>
+          </a:prstGeom>
+          <a:solidFill>
+            <a:srgbClr val="FF0000"/>
+          </a:solidFill>
+        </p:spPr>
+        <p:style>
+          <a:lnRef idx="2">
+            <a:schemeClr val="accent1">
+              <a:shade val="50000"/>
+            </a:schemeClr>
+          </a:lnRef>
+          <a:fillRef idx="1">
+            <a:schemeClr val="accent1"/>
+          </a:fillRef>
+          <a:effectRef idx="0">
+            <a:schemeClr val="accent1"/>
+          </a:effectRef>
+          <a:fontRef idx="minor">
+            <a:schemeClr val="lt1"/>
+          </a:fontRef>
+        </p:style>
+        <p:txBody>
+          <a:bodyPr rtlCol="0" anchor="ctr"/>
+          <a:lstStyle/>
+          <a:p>
+            <a:pPr algn="ctr"/>
+            <a:r>
+              <a:rPr lang="en-AU" dirty="0"/>
+              <a:t>12</a:t>
+            </a:r>
+          </a:p>
+        </p:txBody>
+      </p:sp>
+      <p:sp>
+        <p:nvSpPr>
+          <p:cNvPr id="64" name="Rectangle: Rounded Corners 63">
+            <a:extLst>
+              <a:ext uri="{FF2B5EF4-FFF2-40B4-BE49-F238E27FC236}">
+                <a16:creationId xmlns:a16="http://schemas.microsoft.com/office/drawing/2014/main" id="{BC0FB9BE-4AF9-4453-9D3E-5208BBE90136}"/>
+              </a:ext>
+            </a:extLst>
+          </p:cNvPr>
+          <p:cNvSpPr/>
+          <p:nvPr/>
+        </p:nvSpPr>
+        <p:spPr>
+          <a:xfrm>
+            <a:off x="8875221" y="4652101"/>
+            <a:ext cx="449234" cy="276536"/>
+          </a:xfrm>
+          <a:prstGeom prst="roundRect">
+            <a:avLst/>
+          </a:prstGeom>
+          <a:solidFill>
+            <a:srgbClr val="FF0000"/>
+          </a:solidFill>
+        </p:spPr>
+        <p:style>
+          <a:lnRef idx="2">
+            <a:schemeClr val="accent1">
+              <a:shade val="50000"/>
+            </a:schemeClr>
+          </a:lnRef>
+          <a:fillRef idx="1">
+            <a:schemeClr val="accent1"/>
+          </a:fillRef>
+          <a:effectRef idx="0">
+            <a:schemeClr val="accent1"/>
+          </a:effectRef>
+          <a:fontRef idx="minor">
+            <a:schemeClr val="lt1"/>
+          </a:fontRef>
+        </p:style>
+        <p:txBody>
+          <a:bodyPr rtlCol="0" anchor="ctr"/>
+          <a:lstStyle/>
+          <a:p>
+            <a:pPr algn="ctr"/>
+            <a:r>
+              <a:rPr lang="en-AU" dirty="0"/>
+              <a:t>12</a:t>
+            </a:r>
+          </a:p>
+        </p:txBody>
+      </p:sp>
+      <p:sp>
+        <p:nvSpPr>
+          <p:cNvPr id="66" name="Rectangle: Rounded Corners 65">
+            <a:extLst>
+              <a:ext uri="{FF2B5EF4-FFF2-40B4-BE49-F238E27FC236}">
+                <a16:creationId xmlns:a16="http://schemas.microsoft.com/office/drawing/2014/main" id="{0706ADFC-B693-4BED-8B3C-B214284E7C96}"/>
+              </a:ext>
+            </a:extLst>
+          </p:cNvPr>
+          <p:cNvSpPr/>
+          <p:nvPr/>
+        </p:nvSpPr>
+        <p:spPr>
+          <a:xfrm>
+            <a:off x="10455274" y="3430384"/>
+            <a:ext cx="449234" cy="276536"/>
+          </a:xfrm>
+          <a:prstGeom prst="roundRect">
+            <a:avLst/>
+          </a:prstGeom>
+          <a:solidFill>
+            <a:srgbClr val="FF0000"/>
+          </a:solidFill>
+        </p:spPr>
+        <p:style>
+          <a:lnRef idx="2">
+            <a:schemeClr val="accent1">
+              <a:shade val="50000"/>
+            </a:schemeClr>
+          </a:lnRef>
+          <a:fillRef idx="1">
+            <a:schemeClr val="accent1"/>
+          </a:fillRef>
+          <a:effectRef idx="0">
+            <a:schemeClr val="accent1"/>
+          </a:effectRef>
+          <a:fontRef idx="minor">
+            <a:schemeClr val="lt1"/>
+          </a:fontRef>
+        </p:style>
+        <p:txBody>
+          <a:bodyPr rtlCol="0" anchor="ctr"/>
+          <a:lstStyle/>
+          <a:p>
+            <a:pPr algn="ctr"/>
+            <a:r>
+              <a:rPr lang="en-AU" dirty="0"/>
+              <a:t>10</a:t>
+            </a:r>
+          </a:p>
+        </p:txBody>
+      </p:sp>
+      <p:sp>
+        <p:nvSpPr>
+          <p:cNvPr id="68" name="Rectangle: Rounded Corners 67">
+            <a:extLst>
+              <a:ext uri="{FF2B5EF4-FFF2-40B4-BE49-F238E27FC236}">
+                <a16:creationId xmlns:a16="http://schemas.microsoft.com/office/drawing/2014/main" id="{C28E34F8-9CF7-4105-A733-1911AD2DB286}"/>
+              </a:ext>
+            </a:extLst>
+          </p:cNvPr>
+          <p:cNvSpPr/>
+          <p:nvPr/>
+        </p:nvSpPr>
+        <p:spPr>
+          <a:xfrm>
+            <a:off x="10466785" y="4257071"/>
+            <a:ext cx="449234" cy="276536"/>
+          </a:xfrm>
+          <a:prstGeom prst="roundRect">
+            <a:avLst/>
+          </a:prstGeom>
+          <a:solidFill>
+            <a:srgbClr val="FF0000"/>
+          </a:solidFill>
+        </p:spPr>
+        <p:style>
+          <a:lnRef idx="2">
+            <a:schemeClr val="accent1">
+              <a:shade val="50000"/>
+            </a:schemeClr>
+          </a:lnRef>
+          <a:fillRef idx="1">
+            <a:schemeClr val="accent1"/>
+          </a:fillRef>
+          <a:effectRef idx="0">
+            <a:schemeClr val="accent1"/>
+          </a:effectRef>
+          <a:fontRef idx="minor">
+            <a:schemeClr val="lt1"/>
+          </a:fontRef>
+        </p:style>
+        <p:txBody>
+          <a:bodyPr rtlCol="0" anchor="ctr"/>
+          <a:lstStyle/>
+          <a:p>
+            <a:pPr algn="ctr"/>
+            <a:r>
+              <a:rPr lang="en-AU" dirty="0"/>
+              <a:t>10</a:t>
+            </a:r>
+          </a:p>
+        </p:txBody>
+      </p:sp>
+      <p:sp>
+        <p:nvSpPr>
+          <p:cNvPr id="69" name="Rectangle: Rounded Corners 68">
+            <a:extLst>
+              <a:ext uri="{FF2B5EF4-FFF2-40B4-BE49-F238E27FC236}">
+                <a16:creationId xmlns:a16="http://schemas.microsoft.com/office/drawing/2014/main" id="{630968D5-4083-454B-8D14-002C9D9DD257}"/>
+              </a:ext>
+            </a:extLst>
+          </p:cNvPr>
+          <p:cNvSpPr/>
+          <p:nvPr/>
+        </p:nvSpPr>
+        <p:spPr>
+          <a:xfrm>
+            <a:off x="9514471" y="4639909"/>
+            <a:ext cx="449234" cy="276536"/>
+          </a:xfrm>
+          <a:prstGeom prst="roundRect">
+            <a:avLst/>
+          </a:prstGeom>
+          <a:solidFill>
+            <a:srgbClr val="00B050"/>
+          </a:solidFill>
+        </p:spPr>
+        <p:style>
+          <a:lnRef idx="2">
+            <a:schemeClr val="accent1">
+              <a:shade val="50000"/>
+            </a:schemeClr>
+          </a:lnRef>
+          <a:fillRef idx="1">
+            <a:schemeClr val="accent1"/>
+          </a:fillRef>
+          <a:effectRef idx="0">
+            <a:schemeClr val="accent1"/>
+          </a:effectRef>
+          <a:fontRef idx="minor">
+            <a:schemeClr val="lt1"/>
+          </a:fontRef>
+        </p:style>
+        <p:txBody>
+          <a:bodyPr rtlCol="0" anchor="ctr"/>
+          <a:lstStyle/>
+          <a:p>
+            <a:pPr algn="ctr"/>
+            <a:r>
+              <a:rPr lang="en-AU" dirty="0">
+                <a:solidFill>
+                  <a:sysClr val="windowText" lastClr="000000"/>
+                </a:solidFill>
+              </a:rPr>
+              <a:t>14</a:t>
+            </a:r>
+          </a:p>
+        </p:txBody>
+      </p:sp>
+      <p:sp>
+        <p:nvSpPr>
+          <p:cNvPr id="70" name="Rectangle: Rounded Corners 69">
+            <a:extLst>
+              <a:ext uri="{FF2B5EF4-FFF2-40B4-BE49-F238E27FC236}">
+                <a16:creationId xmlns:a16="http://schemas.microsoft.com/office/drawing/2014/main" id="{8F960046-A5D1-483D-9A33-FFDFD0E37E3D}"/>
+              </a:ext>
+            </a:extLst>
+          </p:cNvPr>
+          <p:cNvSpPr/>
+          <p:nvPr/>
+        </p:nvSpPr>
+        <p:spPr>
+          <a:xfrm>
+            <a:off x="9522977" y="6422134"/>
+            <a:ext cx="449234" cy="276536"/>
+          </a:xfrm>
+          <a:prstGeom prst="roundRect">
+            <a:avLst/>
+          </a:prstGeom>
+          <a:solidFill>
+            <a:srgbClr val="00B050"/>
+          </a:solidFill>
+        </p:spPr>
+        <p:style>
+          <a:lnRef idx="2">
+            <a:schemeClr val="accent1">
+              <a:shade val="50000"/>
+            </a:schemeClr>
+          </a:lnRef>
+          <a:fillRef idx="1">
+            <a:schemeClr val="accent1"/>
+          </a:fillRef>
+          <a:effectRef idx="0">
+            <a:schemeClr val="accent1"/>
+          </a:effectRef>
+          <a:fontRef idx="minor">
+            <a:schemeClr val="lt1"/>
+          </a:fontRef>
+        </p:style>
+        <p:txBody>
+          <a:bodyPr rtlCol="0" anchor="ctr"/>
+          <a:lstStyle/>
+          <a:p>
+            <a:pPr algn="ctr"/>
+            <a:r>
+              <a:rPr lang="en-AU" dirty="0">
+                <a:solidFill>
+                  <a:sysClr val="windowText" lastClr="000000"/>
+                </a:solidFill>
+              </a:rPr>
+              <a:t>14</a:t>
+            </a:r>
+          </a:p>
+        </p:txBody>
+      </p:sp>
+      <p:sp>
+        <p:nvSpPr>
+          <p:cNvPr id="72" name="Rectangle: Rounded Corners 71">
+            <a:extLst>
+              <a:ext uri="{FF2B5EF4-FFF2-40B4-BE49-F238E27FC236}">
+                <a16:creationId xmlns:a16="http://schemas.microsoft.com/office/drawing/2014/main" id="{51471D34-B118-4F65-9C7F-9BC1D6505C15}"/>
+              </a:ext>
+            </a:extLst>
+          </p:cNvPr>
+          <p:cNvSpPr/>
+          <p:nvPr/>
+        </p:nvSpPr>
+        <p:spPr>
+          <a:xfrm>
+            <a:off x="10592722" y="7170002"/>
+            <a:ext cx="449234" cy="276536"/>
+          </a:xfrm>
+          <a:prstGeom prst="roundRect">
+            <a:avLst/>
+          </a:prstGeom>
+          <a:solidFill>
+            <a:srgbClr val="FFFF00"/>
+          </a:solidFill>
+        </p:spPr>
+        <p:style>
+          <a:lnRef idx="2">
+            <a:schemeClr val="accent1">
+              <a:shade val="50000"/>
+            </a:schemeClr>
+          </a:lnRef>
+          <a:fillRef idx="1">
+            <a:schemeClr val="accent1"/>
+          </a:fillRef>
+          <a:effectRef idx="0">
+            <a:schemeClr val="accent1"/>
+          </a:effectRef>
+          <a:fontRef idx="minor">
+            <a:schemeClr val="lt1"/>
+          </a:fontRef>
+        </p:style>
+        <p:txBody>
+          <a:bodyPr rtlCol="0" anchor="ctr"/>
+          <a:lstStyle/>
+          <a:p>
+            <a:pPr algn="ctr"/>
+            <a:r>
+              <a:rPr lang="en-AU" dirty="0">
+                <a:solidFill>
+                  <a:sysClr val="windowText" lastClr="000000"/>
+                </a:solidFill>
+              </a:rPr>
+              <a:t>14</a:t>
+            </a:r>
+          </a:p>
+        </p:txBody>
+      </p:sp>
+      <p:sp>
+        <p:nvSpPr>
+          <p:cNvPr id="73" name="Rectangle: Rounded Corners 72">
+            <a:extLst>
+              <a:ext uri="{FF2B5EF4-FFF2-40B4-BE49-F238E27FC236}">
+                <a16:creationId xmlns:a16="http://schemas.microsoft.com/office/drawing/2014/main" id="{F13E756D-6F26-489D-AB8B-A39B849CA41D}"/>
+              </a:ext>
+            </a:extLst>
+          </p:cNvPr>
+          <p:cNvSpPr/>
+          <p:nvPr/>
+        </p:nvSpPr>
+        <p:spPr>
+          <a:xfrm>
+            <a:off x="12311232" y="7170264"/>
+            <a:ext cx="449234" cy="276536"/>
+          </a:xfrm>
+          <a:prstGeom prst="roundRect">
+            <a:avLst/>
+          </a:prstGeom>
+          <a:solidFill>
+            <a:srgbClr val="FFFF00"/>
+          </a:solidFill>
+        </p:spPr>
+        <p:style>
+          <a:lnRef idx="2">
+            <a:schemeClr val="accent1">
+              <a:shade val="50000"/>
+            </a:schemeClr>
+          </a:lnRef>
+          <a:fillRef idx="1">
+            <a:schemeClr val="accent1"/>
+          </a:fillRef>
+          <a:effectRef idx="0">
+            <a:schemeClr val="accent1"/>
+          </a:effectRef>
+          <a:fontRef idx="minor">
+            <a:schemeClr val="lt1"/>
+          </a:fontRef>
+        </p:style>
+        <p:txBody>
+          <a:bodyPr rtlCol="0" anchor="ctr"/>
+          <a:lstStyle/>
+          <a:p>
+            <a:pPr algn="ctr"/>
+            <a:r>
+              <a:rPr lang="en-AU" dirty="0">
+                <a:solidFill>
+                  <a:sysClr val="windowText" lastClr="000000"/>
+                </a:solidFill>
+              </a:rPr>
+              <a:t>14</a:t>
+            </a:r>
+          </a:p>
+        </p:txBody>
+      </p:sp>
+      <p:sp>
+        <p:nvSpPr>
+          <p:cNvPr id="74" name="Rectangle: Rounded Corners 73">
+            <a:extLst>
+              <a:ext uri="{FF2B5EF4-FFF2-40B4-BE49-F238E27FC236}">
+                <a16:creationId xmlns:a16="http://schemas.microsoft.com/office/drawing/2014/main" id="{2AD1A349-EB59-4F5E-AD3D-2CE051700FA3}"/>
+              </a:ext>
+            </a:extLst>
+          </p:cNvPr>
+          <p:cNvSpPr/>
+          <p:nvPr/>
+        </p:nvSpPr>
+        <p:spPr>
+          <a:xfrm>
+            <a:off x="12503748" y="4260140"/>
+            <a:ext cx="449234" cy="276536"/>
+          </a:xfrm>
+          <a:prstGeom prst="roundRect">
+            <a:avLst/>
+          </a:prstGeom>
+          <a:solidFill>
+            <a:srgbClr val="FF0000"/>
+          </a:solidFill>
+        </p:spPr>
+        <p:style>
+          <a:lnRef idx="2">
+            <a:schemeClr val="accent1">
+              <a:shade val="50000"/>
+            </a:schemeClr>
+          </a:lnRef>
+          <a:fillRef idx="1">
+            <a:schemeClr val="accent1"/>
+          </a:fillRef>
+          <a:effectRef idx="0">
+            <a:schemeClr val="accent1"/>
+          </a:effectRef>
+          <a:fontRef idx="minor">
+            <a:schemeClr val="lt1"/>
+          </a:fontRef>
+        </p:style>
+        <p:txBody>
+          <a:bodyPr rtlCol="0" anchor="ctr"/>
+          <a:lstStyle/>
+          <a:p>
+            <a:pPr algn="ctr"/>
+            <a:r>
+              <a:rPr lang="en-AU" dirty="0"/>
+              <a:t>10</a:t>
+            </a:r>
+          </a:p>
+        </p:txBody>
+      </p:sp>
+      <p:sp>
+        <p:nvSpPr>
+          <p:cNvPr id="76" name="Rectangle: Rounded Corners 75">
+            <a:extLst>
+              <a:ext uri="{FF2B5EF4-FFF2-40B4-BE49-F238E27FC236}">
+                <a16:creationId xmlns:a16="http://schemas.microsoft.com/office/drawing/2014/main" id="{A6D9F0BF-71F4-4D0C-AFC8-2A86DC8C77F2}"/>
+              </a:ext>
+            </a:extLst>
+          </p:cNvPr>
+          <p:cNvSpPr/>
+          <p:nvPr/>
+        </p:nvSpPr>
+        <p:spPr>
+          <a:xfrm>
+            <a:off x="12495875" y="3438013"/>
+            <a:ext cx="449234" cy="276536"/>
+          </a:xfrm>
+          <a:prstGeom prst="roundRect">
+            <a:avLst/>
+          </a:prstGeom>
+          <a:solidFill>
+            <a:srgbClr val="FF0000"/>
+          </a:solidFill>
+        </p:spPr>
+        <p:style>
+          <a:lnRef idx="2">
+            <a:schemeClr val="accent1">
+              <a:shade val="50000"/>
+            </a:schemeClr>
+          </a:lnRef>
+          <a:fillRef idx="1">
+            <a:schemeClr val="accent1"/>
+          </a:fillRef>
+          <a:effectRef idx="0">
+            <a:schemeClr val="accent1"/>
+          </a:effectRef>
+          <a:fontRef idx="minor">
+            <a:schemeClr val="lt1"/>
+          </a:fontRef>
+        </p:style>
+        <p:txBody>
+          <a:bodyPr rtlCol="0" anchor="ctr"/>
+          <a:lstStyle/>
+          <a:p>
+            <a:pPr algn="ctr"/>
+            <a:r>
+              <a:rPr lang="en-AU" dirty="0"/>
+              <a:t>10</a:t>
+            </a:r>
+          </a:p>
+        </p:txBody>
+      </p:sp>
+      <p:sp>
+        <p:nvSpPr>
+          <p:cNvPr id="77" name="Rectangle: Rounded Corners 76">
+            <a:extLst>
+              <a:ext uri="{FF2B5EF4-FFF2-40B4-BE49-F238E27FC236}">
+                <a16:creationId xmlns:a16="http://schemas.microsoft.com/office/drawing/2014/main" id="{6334692F-CD75-4177-868B-67F7A598F45F}"/>
+              </a:ext>
+            </a:extLst>
+          </p:cNvPr>
+          <p:cNvSpPr/>
+          <p:nvPr/>
+        </p:nvSpPr>
+        <p:spPr>
+          <a:xfrm>
+            <a:off x="7412224" y="4369788"/>
+            <a:ext cx="449234" cy="276536"/>
+          </a:xfrm>
+          <a:prstGeom prst="roundRect">
+            <a:avLst/>
+          </a:prstGeom>
+          <a:solidFill>
+            <a:srgbClr val="FF0000"/>
+          </a:solidFill>
+        </p:spPr>
+        <p:style>
+          <a:lnRef idx="2">
+            <a:schemeClr val="accent1">
+              <a:shade val="50000"/>
+            </a:schemeClr>
+          </a:lnRef>
+          <a:fillRef idx="1">
+            <a:schemeClr val="accent1"/>
+          </a:fillRef>
+          <a:effectRef idx="0">
+            <a:schemeClr val="accent1"/>
+          </a:effectRef>
+          <a:fontRef idx="minor">
+            <a:schemeClr val="lt1"/>
+          </a:fontRef>
+        </p:style>
+        <p:txBody>
+          <a:bodyPr rtlCol="0" anchor="ctr"/>
+          <a:lstStyle/>
+          <a:p>
+            <a:pPr algn="ctr"/>
+            <a:r>
+              <a:rPr lang="en-AU" dirty="0"/>
+              <a:t>12</a:t>
+            </a:r>
+          </a:p>
+        </p:txBody>
+      </p:sp>
+      <p:sp>
+        <p:nvSpPr>
+          <p:cNvPr id="78" name="Rectangle: Rounded Corners 77">
+            <a:extLst>
+              <a:ext uri="{FF2B5EF4-FFF2-40B4-BE49-F238E27FC236}">
+                <a16:creationId xmlns:a16="http://schemas.microsoft.com/office/drawing/2014/main" id="{5FE934BB-6885-40E0-8DB2-5E2EF7DB8FEC}"/>
+              </a:ext>
+            </a:extLst>
+          </p:cNvPr>
+          <p:cNvSpPr/>
+          <p:nvPr/>
+        </p:nvSpPr>
+        <p:spPr>
+          <a:xfrm>
+            <a:off x="7419549" y="5787672"/>
+            <a:ext cx="449234" cy="276536"/>
+          </a:xfrm>
+          <a:prstGeom prst="roundRect">
+            <a:avLst/>
+          </a:prstGeom>
+          <a:solidFill>
+            <a:srgbClr val="FF0000"/>
+          </a:solidFill>
+        </p:spPr>
+        <p:style>
+          <a:lnRef idx="2">
+            <a:schemeClr val="accent1">
+              <a:shade val="50000"/>
+            </a:schemeClr>
+          </a:lnRef>
+          <a:fillRef idx="1">
+            <a:schemeClr val="accent1"/>
+          </a:fillRef>
+          <a:effectRef idx="0">
+            <a:schemeClr val="accent1"/>
+          </a:effectRef>
+          <a:fontRef idx="minor">
+            <a:schemeClr val="lt1"/>
+          </a:fontRef>
+        </p:style>
+        <p:txBody>
+          <a:bodyPr rtlCol="0" anchor="ctr"/>
+          <a:lstStyle/>
+          <a:p>
+            <a:pPr algn="ctr"/>
+            <a:r>
+              <a:rPr lang="en-AU" dirty="0"/>
+              <a:t>12</a:t>
+            </a:r>
+          </a:p>
+        </p:txBody>
+      </p:sp>
+      <p:sp>
+        <p:nvSpPr>
+          <p:cNvPr id="79" name="Rectangle: Rounded Corners 78">
+            <a:extLst>
+              <a:ext uri="{FF2B5EF4-FFF2-40B4-BE49-F238E27FC236}">
+                <a16:creationId xmlns:a16="http://schemas.microsoft.com/office/drawing/2014/main" id="{D7A4B825-EC1A-4998-A35A-21128978609D}"/>
+              </a:ext>
+            </a:extLst>
+          </p:cNvPr>
+          <p:cNvSpPr/>
+          <p:nvPr/>
+        </p:nvSpPr>
+        <p:spPr>
+          <a:xfrm>
+            <a:off x="9544685" y="7927823"/>
+            <a:ext cx="449234" cy="276536"/>
+          </a:xfrm>
+          <a:prstGeom prst="roundRect">
+            <a:avLst/>
+          </a:prstGeom>
+          <a:solidFill>
+            <a:srgbClr val="FF0000"/>
+          </a:solidFill>
+        </p:spPr>
+        <p:style>
+          <a:lnRef idx="2">
+            <a:schemeClr val="accent1">
+              <a:shade val="50000"/>
+            </a:schemeClr>
+          </a:lnRef>
+          <a:fillRef idx="1">
+            <a:schemeClr val="accent1"/>
+          </a:fillRef>
+          <a:effectRef idx="0">
+            <a:schemeClr val="accent1"/>
+          </a:effectRef>
+          <a:fontRef idx="minor">
+            <a:schemeClr val="lt1"/>
+          </a:fontRef>
+        </p:style>
+        <p:txBody>
+          <a:bodyPr rtlCol="0" anchor="ctr"/>
+          <a:lstStyle/>
+          <a:p>
+            <a:pPr algn="ctr"/>
+            <a:r>
+              <a:rPr lang="en-AU" dirty="0"/>
+              <a:t>14</a:t>
+            </a:r>
+          </a:p>
+        </p:txBody>
+      </p:sp>
+      <p:cxnSp>
+        <p:nvCxnSpPr>
+          <p:cNvPr id="30" name="Straight Connector 29">
+            <a:extLst>
+              <a:ext uri="{FF2B5EF4-FFF2-40B4-BE49-F238E27FC236}">
+                <a16:creationId xmlns:a16="http://schemas.microsoft.com/office/drawing/2014/main" id="{C94ED582-4C96-49E3-8D01-DEF544FDA9F8}"/>
+              </a:ext>
+            </a:extLst>
+          </p:cNvPr>
+          <p:cNvCxnSpPr>
+            <a:cxnSpLocks/>
+            <a:stCxn id="47" idx="3"/>
+            <a:endCxn id="57" idx="1"/>
+          </p:cNvCxnSpPr>
+          <p:nvPr/>
+        </p:nvCxnSpPr>
+        <p:spPr>
+          <a:xfrm flipV="1">
+            <a:off x="4678872" y="3577284"/>
+            <a:ext cx="3632403" cy="11042"/>
+          </a:xfrm>
+          <a:prstGeom prst="line">
+            <a:avLst/>
+          </a:prstGeom>
+        </p:spPr>
+        <p:style>
+          <a:lnRef idx="1">
+            <a:schemeClr val="accent1"/>
+          </a:lnRef>
+          <a:fillRef idx="0">
+            <a:schemeClr val="accent1"/>
+          </a:fillRef>
+          <a:effectRef idx="0">
+            <a:schemeClr val="accent1"/>
+          </a:effectRef>
+          <a:fontRef idx="minor">
+            <a:schemeClr val="tx1"/>
+          </a:fontRef>
+        </p:style>
+      </p:cxnSp>
+      <p:cxnSp>
+        <p:nvCxnSpPr>
+          <p:cNvPr id="33" name="Straight Connector 32">
+            <a:extLst>
+              <a:ext uri="{FF2B5EF4-FFF2-40B4-BE49-F238E27FC236}">
+                <a16:creationId xmlns:a16="http://schemas.microsoft.com/office/drawing/2014/main" id="{77007697-4639-420E-9654-F83F57CD67F3}"/>
+              </a:ext>
+            </a:extLst>
+          </p:cNvPr>
+          <p:cNvCxnSpPr>
+            <a:stCxn id="58" idx="2"/>
+            <a:endCxn id="60" idx="0"/>
+          </p:cNvCxnSpPr>
+          <p:nvPr/>
+        </p:nvCxnSpPr>
+        <p:spPr>
+          <a:xfrm>
+            <a:off x="9033700" y="2302566"/>
+            <a:ext cx="12590" cy="842970"/>
+          </a:xfrm>
+          <a:prstGeom prst="line">
+            <a:avLst/>
+          </a:prstGeom>
+        </p:spPr>
+        <p:style>
+          <a:lnRef idx="1">
+            <a:schemeClr val="accent1"/>
+          </a:lnRef>
+          <a:fillRef idx="0">
+            <a:schemeClr val="accent1"/>
+          </a:fillRef>
+          <a:effectRef idx="0">
+            <a:schemeClr val="accent1"/>
+          </a:effectRef>
+          <a:fontRef idx="minor">
+            <a:schemeClr val="tx1"/>
+          </a:fontRef>
+        </p:style>
+      </p:cxnSp>
+      <p:cxnSp>
+        <p:nvCxnSpPr>
+          <p:cNvPr id="35" name="Straight Connector 34">
+            <a:extLst>
+              <a:ext uri="{FF2B5EF4-FFF2-40B4-BE49-F238E27FC236}">
+                <a16:creationId xmlns:a16="http://schemas.microsoft.com/office/drawing/2014/main" id="{57DB29CF-0F0B-4FDA-A30E-33EC19EE7251}"/>
+              </a:ext>
+            </a:extLst>
+          </p:cNvPr>
+          <p:cNvCxnSpPr>
+            <a:stCxn id="66" idx="3"/>
+            <a:endCxn id="76" idx="1"/>
+          </p:cNvCxnSpPr>
+          <p:nvPr/>
+        </p:nvCxnSpPr>
+        <p:spPr>
+          <a:xfrm>
+            <a:off x="10904508" y="3568652"/>
+            <a:ext cx="1591367" cy="7629"/>
+          </a:xfrm>
+          <a:prstGeom prst="line">
+            <a:avLst/>
+          </a:prstGeom>
+        </p:spPr>
+        <p:style>
+          <a:lnRef idx="1">
+            <a:schemeClr val="accent1"/>
+          </a:lnRef>
+          <a:fillRef idx="0">
+            <a:schemeClr val="accent1"/>
+          </a:fillRef>
+          <a:effectRef idx="0">
+            <a:schemeClr val="accent1"/>
+          </a:effectRef>
+          <a:fontRef idx="minor">
+            <a:schemeClr val="tx1"/>
+          </a:fontRef>
+        </p:style>
+      </p:cxnSp>
+      <p:cxnSp>
+        <p:nvCxnSpPr>
+          <p:cNvPr id="51" name="Straight Connector 50">
+            <a:extLst>
+              <a:ext uri="{FF2B5EF4-FFF2-40B4-BE49-F238E27FC236}">
+                <a16:creationId xmlns:a16="http://schemas.microsoft.com/office/drawing/2014/main" id="{11E1A921-8A73-49B0-9D6F-272253C1A41D}"/>
+              </a:ext>
+            </a:extLst>
+          </p:cNvPr>
+          <p:cNvCxnSpPr>
+            <a:stCxn id="68" idx="3"/>
+            <a:endCxn id="74" idx="1"/>
+          </p:cNvCxnSpPr>
+          <p:nvPr/>
+        </p:nvCxnSpPr>
+        <p:spPr>
+          <a:xfrm>
+            <a:off x="10916019" y="4395339"/>
+            <a:ext cx="1587729" cy="3069"/>
+          </a:xfrm>
+          <a:prstGeom prst="line">
+            <a:avLst/>
+          </a:prstGeom>
+        </p:spPr>
+        <p:style>
+          <a:lnRef idx="1">
+            <a:schemeClr val="accent1"/>
+          </a:lnRef>
+          <a:fillRef idx="0">
+            <a:schemeClr val="accent1"/>
+          </a:fillRef>
+          <a:effectRef idx="0">
+            <a:schemeClr val="accent1"/>
+          </a:effectRef>
+          <a:fontRef idx="minor">
+            <a:schemeClr val="tx1"/>
+          </a:fontRef>
+        </p:style>
+      </p:cxnSp>
+      <p:cxnSp>
+        <p:nvCxnSpPr>
+          <p:cNvPr id="83" name="Straight Connector 82">
+            <a:extLst>
+              <a:ext uri="{FF2B5EF4-FFF2-40B4-BE49-F238E27FC236}">
+                <a16:creationId xmlns:a16="http://schemas.microsoft.com/office/drawing/2014/main" id="{84BA5594-22FE-413D-970C-16F5BEC99372}"/>
+              </a:ext>
+            </a:extLst>
+          </p:cNvPr>
+          <p:cNvCxnSpPr>
+            <a:stCxn id="69" idx="2"/>
+            <a:endCxn id="70" idx="0"/>
+          </p:cNvCxnSpPr>
+          <p:nvPr/>
+        </p:nvCxnSpPr>
+        <p:spPr>
+          <a:xfrm>
+            <a:off x="9739088" y="4916445"/>
+            <a:ext cx="8506" cy="1505689"/>
+          </a:xfrm>
+          <a:prstGeom prst="line">
+            <a:avLst/>
+          </a:prstGeom>
+        </p:spPr>
+        <p:style>
+          <a:lnRef idx="1">
+            <a:schemeClr val="accent1"/>
+          </a:lnRef>
+          <a:fillRef idx="0">
+            <a:schemeClr val="accent1"/>
+          </a:fillRef>
+          <a:effectRef idx="0">
+            <a:schemeClr val="accent1"/>
+          </a:effectRef>
+          <a:fontRef idx="minor">
+            <a:schemeClr val="tx1"/>
+          </a:fontRef>
+        </p:style>
+      </p:cxnSp>
+      <p:cxnSp>
+        <p:nvCxnSpPr>
+          <p:cNvPr id="85" name="Straight Connector 84">
+            <a:extLst>
+              <a:ext uri="{FF2B5EF4-FFF2-40B4-BE49-F238E27FC236}">
+                <a16:creationId xmlns:a16="http://schemas.microsoft.com/office/drawing/2014/main" id="{737F8FB1-D8D3-4492-B00F-0A29C1E8BBBF}"/>
+              </a:ext>
+            </a:extLst>
+          </p:cNvPr>
+          <p:cNvCxnSpPr>
+            <a:stCxn id="64" idx="2"/>
+            <a:endCxn id="78" idx="0"/>
+          </p:cNvCxnSpPr>
+          <p:nvPr/>
+        </p:nvCxnSpPr>
+        <p:spPr>
+          <a:xfrm flipH="1">
+            <a:off x="7644166" y="4928637"/>
+            <a:ext cx="1455672" cy="859035"/>
+          </a:xfrm>
+          <a:prstGeom prst="line">
+            <a:avLst/>
+          </a:prstGeom>
+        </p:spPr>
+        <p:style>
+          <a:lnRef idx="1">
+            <a:schemeClr val="accent1"/>
+          </a:lnRef>
+          <a:fillRef idx="0">
+            <a:schemeClr val="accent1"/>
+          </a:fillRef>
+          <a:effectRef idx="0">
+            <a:schemeClr val="accent1"/>
+          </a:effectRef>
+          <a:fontRef idx="minor">
+            <a:schemeClr val="tx1"/>
+          </a:fontRef>
+        </p:style>
+      </p:cxnSp>
+      <p:cxnSp>
+        <p:nvCxnSpPr>
+          <p:cNvPr id="87" name="Straight Connector 86">
+            <a:extLst>
+              <a:ext uri="{FF2B5EF4-FFF2-40B4-BE49-F238E27FC236}">
+                <a16:creationId xmlns:a16="http://schemas.microsoft.com/office/drawing/2014/main" id="{AB78EC15-3E1B-4FCC-A402-B11E51B8CE55}"/>
+              </a:ext>
+            </a:extLst>
+          </p:cNvPr>
+          <p:cNvCxnSpPr>
+            <a:cxnSpLocks/>
+            <a:stCxn id="62" idx="1"/>
+            <a:endCxn id="77" idx="3"/>
+          </p:cNvCxnSpPr>
+          <p:nvPr/>
+        </p:nvCxnSpPr>
+        <p:spPr>
+          <a:xfrm flipH="1" flipV="1">
+            <a:off x="7861458" y="4508056"/>
+            <a:ext cx="442816" cy="5777"/>
+          </a:xfrm>
+          <a:prstGeom prst="line">
+            <a:avLst/>
+          </a:prstGeom>
+        </p:spPr>
+        <p:style>
+          <a:lnRef idx="1">
+            <a:schemeClr val="accent1"/>
+          </a:lnRef>
+          <a:fillRef idx="0">
+            <a:schemeClr val="accent1"/>
+          </a:fillRef>
+          <a:effectRef idx="0">
+            <a:schemeClr val="accent1"/>
+          </a:effectRef>
+          <a:fontRef idx="minor">
+            <a:schemeClr val="tx1"/>
+          </a:fontRef>
+        </p:style>
+      </p:cxnSp>
+      <p:cxnSp>
+        <p:nvCxnSpPr>
+          <p:cNvPr id="89" name="Straight Connector 88">
+            <a:extLst>
+              <a:ext uri="{FF2B5EF4-FFF2-40B4-BE49-F238E27FC236}">
+                <a16:creationId xmlns:a16="http://schemas.microsoft.com/office/drawing/2014/main" id="{484F02C4-ED80-4EAE-8677-0B41EDE3F265}"/>
+              </a:ext>
+            </a:extLst>
+          </p:cNvPr>
+          <p:cNvCxnSpPr>
+            <a:stCxn id="72" idx="3"/>
+            <a:endCxn id="73" idx="1"/>
+          </p:cNvCxnSpPr>
+          <p:nvPr/>
+        </p:nvCxnSpPr>
+        <p:spPr>
+          <a:xfrm>
+            <a:off x="11041956" y="7308270"/>
+            <a:ext cx="1269276" cy="262"/>
+          </a:xfrm>
+          <a:prstGeom prst="line">
+            <a:avLst/>
+          </a:prstGeom>
+        </p:spPr>
+        <p:style>
+          <a:lnRef idx="1">
+            <a:schemeClr val="accent1"/>
+          </a:lnRef>
+          <a:fillRef idx="0">
+            <a:schemeClr val="accent1"/>
+          </a:fillRef>
+          <a:effectRef idx="0">
+            <a:schemeClr val="accent1"/>
+          </a:effectRef>
+          <a:fontRef idx="minor">
+            <a:schemeClr val="tx1"/>
+          </a:fontRef>
+        </p:style>
+      </p:cxnSp>
+      <p:cxnSp>
+        <p:nvCxnSpPr>
+          <p:cNvPr id="91" name="Straight Connector 90">
+            <a:extLst>
+              <a:ext uri="{FF2B5EF4-FFF2-40B4-BE49-F238E27FC236}">
+                <a16:creationId xmlns:a16="http://schemas.microsoft.com/office/drawing/2014/main" id="{391E724A-4A28-4029-A230-DC4163C97E1C}"/>
+              </a:ext>
+            </a:extLst>
+          </p:cNvPr>
+          <p:cNvCxnSpPr>
+            <a:stCxn id="79" idx="2"/>
+          </p:cNvCxnSpPr>
+          <p:nvPr/>
+        </p:nvCxnSpPr>
+        <p:spPr>
+          <a:xfrm flipH="1">
+            <a:off x="9765057" y="8204359"/>
+            <a:ext cx="4245" cy="323111"/>
+          </a:xfrm>
+          <a:prstGeom prst="line">
+            <a:avLst/>
+          </a:prstGeom>
+        </p:spPr>
+        <p:style>
+          <a:lnRef idx="1">
+            <a:schemeClr val="accent1"/>
+          </a:lnRef>
+          <a:fillRef idx="0">
+            <a:schemeClr val="accent1"/>
+          </a:fillRef>
+          <a:effectRef idx="0">
+            <a:schemeClr val="accent1"/>
+          </a:effectRef>
+          <a:fontRef idx="minor">
+            <a:schemeClr val="tx1"/>
+          </a:fontRef>
+        </p:style>
+      </p:cxnSp>
+      <p:cxnSp>
+        <p:nvCxnSpPr>
+          <p:cNvPr id="93" name="Straight Connector 92">
+            <a:extLst>
+              <a:ext uri="{FF2B5EF4-FFF2-40B4-BE49-F238E27FC236}">
+                <a16:creationId xmlns:a16="http://schemas.microsoft.com/office/drawing/2014/main" id="{F60CBA6E-9A09-4D33-978D-F3C881DDE474}"/>
+              </a:ext>
+            </a:extLst>
+          </p:cNvPr>
+          <p:cNvCxnSpPr>
+            <a:cxnSpLocks/>
+            <a:stCxn id="18" idx="0"/>
+          </p:cNvCxnSpPr>
+          <p:nvPr/>
+        </p:nvCxnSpPr>
+        <p:spPr>
+          <a:xfrm flipV="1">
+            <a:off x="8761903" y="8527470"/>
+            <a:ext cx="0" cy="498764"/>
+          </a:xfrm>
+          <a:prstGeom prst="line">
+            <a:avLst/>
+          </a:prstGeom>
+        </p:spPr>
+        <p:style>
+          <a:lnRef idx="1">
+            <a:schemeClr val="accent1"/>
+          </a:lnRef>
+          <a:fillRef idx="0">
+            <a:schemeClr val="accent1"/>
+          </a:fillRef>
+          <a:effectRef idx="0">
+            <a:schemeClr val="accent1"/>
+          </a:effectRef>
+          <a:fontRef idx="minor">
+            <a:schemeClr val="tx1"/>
+          </a:fontRef>
+        </p:style>
+      </p:cxnSp>
+      <p:cxnSp>
+        <p:nvCxnSpPr>
+          <p:cNvPr id="95" name="Straight Connector 94">
+            <a:extLst>
+              <a:ext uri="{FF2B5EF4-FFF2-40B4-BE49-F238E27FC236}">
+                <a16:creationId xmlns:a16="http://schemas.microsoft.com/office/drawing/2014/main" id="{FA395C46-4D63-4014-B1A0-9A07EA01D81B}"/>
+              </a:ext>
+            </a:extLst>
+          </p:cNvPr>
+          <p:cNvCxnSpPr>
+            <a:cxnSpLocks/>
+            <a:stCxn id="17" idx="0"/>
+          </p:cNvCxnSpPr>
+          <p:nvPr/>
+        </p:nvCxnSpPr>
+        <p:spPr>
+          <a:xfrm flipV="1">
+            <a:off x="10754071" y="8527470"/>
+            <a:ext cx="0" cy="498764"/>
+          </a:xfrm>
+          <a:prstGeom prst="line">
+            <a:avLst/>
+          </a:prstGeom>
+        </p:spPr>
+        <p:style>
+          <a:lnRef idx="1">
+            <a:schemeClr val="accent1"/>
+          </a:lnRef>
+          <a:fillRef idx="0">
+            <a:schemeClr val="accent1"/>
+          </a:fillRef>
+          <a:effectRef idx="0">
+            <a:schemeClr val="accent1"/>
+          </a:effectRef>
+          <a:fontRef idx="minor">
+            <a:schemeClr val="tx1"/>
+          </a:fontRef>
+        </p:style>
+      </p:cxnSp>
+      <p:sp>
+        <p:nvSpPr>
+          <p:cNvPr id="114" name="Rectangle: Rounded Corners 113">
+            <a:extLst>
+              <a:ext uri="{FF2B5EF4-FFF2-40B4-BE49-F238E27FC236}">
+                <a16:creationId xmlns:a16="http://schemas.microsoft.com/office/drawing/2014/main" id="{2EDD0BF6-CFBF-4DDA-88D0-0CB99BF69924}"/>
+              </a:ext>
+            </a:extLst>
+          </p:cNvPr>
+          <p:cNvSpPr/>
+          <p:nvPr/>
+        </p:nvSpPr>
+        <p:spPr>
+          <a:xfrm>
+            <a:off x="13380976" y="7641334"/>
+            <a:ext cx="449234" cy="276536"/>
+          </a:xfrm>
+          <a:prstGeom prst="roundRect">
+            <a:avLst/>
+          </a:prstGeom>
+          <a:solidFill>
+            <a:srgbClr val="FF0000"/>
+          </a:solidFill>
+        </p:spPr>
+        <p:style>
+          <a:lnRef idx="2">
+            <a:schemeClr val="accent1">
+              <a:shade val="50000"/>
+            </a:schemeClr>
+          </a:lnRef>
+          <a:fillRef idx="1">
+            <a:schemeClr val="accent1"/>
+          </a:fillRef>
+          <a:effectRef idx="0">
+            <a:schemeClr val="accent1"/>
+          </a:effectRef>
+          <a:fontRef idx="minor">
+            <a:schemeClr val="lt1"/>
+          </a:fontRef>
+        </p:style>
+        <p:txBody>
+          <a:bodyPr rtlCol="0" anchor="ctr"/>
+          <a:lstStyle/>
+          <a:p>
+            <a:pPr algn="ctr"/>
+            <a:r>
+              <a:rPr lang="en-AU" dirty="0"/>
+              <a:t>14</a:t>
+            </a:r>
+          </a:p>
+        </p:txBody>
+      </p:sp>
+      <p:sp>
+        <p:nvSpPr>
+          <p:cNvPr id="115" name="Rectangle: Rounded Corners 114">
+            <a:extLst>
+              <a:ext uri="{FF2B5EF4-FFF2-40B4-BE49-F238E27FC236}">
+                <a16:creationId xmlns:a16="http://schemas.microsoft.com/office/drawing/2014/main" id="{103A5CE2-756A-4FB3-A908-12E1B5E23A42}"/>
+              </a:ext>
+            </a:extLst>
+          </p:cNvPr>
+          <p:cNvSpPr/>
+          <p:nvPr/>
+        </p:nvSpPr>
+        <p:spPr>
+          <a:xfrm>
+            <a:off x="637481" y="7503066"/>
+            <a:ext cx="449234" cy="276536"/>
+          </a:xfrm>
+          <a:prstGeom prst="roundRect">
+            <a:avLst/>
+          </a:prstGeom>
+          <a:solidFill>
+            <a:srgbClr val="FF0000"/>
+          </a:solidFill>
+        </p:spPr>
+        <p:style>
+          <a:lnRef idx="2">
+            <a:schemeClr val="accent1">
+              <a:shade val="50000"/>
+            </a:schemeClr>
+          </a:lnRef>
+          <a:fillRef idx="1">
+            <a:schemeClr val="accent1"/>
+          </a:fillRef>
+          <a:effectRef idx="0">
+            <a:schemeClr val="accent1"/>
+          </a:effectRef>
+          <a:fontRef idx="minor">
+            <a:schemeClr val="lt1"/>
+          </a:fontRef>
+        </p:style>
+        <p:txBody>
+          <a:bodyPr rtlCol="0" anchor="ctr"/>
+          <a:lstStyle/>
+          <a:p>
+            <a:pPr algn="ctr"/>
+            <a:r>
+              <a:rPr lang="en-AU" dirty="0"/>
+              <a:t>14</a:t>
+            </a:r>
+          </a:p>
+        </p:txBody>
+      </p:sp>
+      <p:sp>
+        <p:nvSpPr>
+          <p:cNvPr id="116" name="Rectangle: Rounded Corners 115">
+            <a:extLst>
+              <a:ext uri="{FF2B5EF4-FFF2-40B4-BE49-F238E27FC236}">
+                <a16:creationId xmlns:a16="http://schemas.microsoft.com/office/drawing/2014/main" id="{3B2A33B9-9DC3-4772-8295-9DCA8810511B}"/>
+              </a:ext>
+            </a:extLst>
+          </p:cNvPr>
+          <p:cNvSpPr/>
+          <p:nvPr/>
+        </p:nvSpPr>
+        <p:spPr>
+          <a:xfrm>
+            <a:off x="637481" y="8057238"/>
+            <a:ext cx="449234" cy="276536"/>
+          </a:xfrm>
+          <a:prstGeom prst="roundRect">
+            <a:avLst/>
+          </a:prstGeom>
+          <a:solidFill>
+            <a:srgbClr val="FFFF00"/>
+          </a:solidFill>
+        </p:spPr>
+        <p:style>
+          <a:lnRef idx="2">
+            <a:schemeClr val="accent1">
+              <a:shade val="50000"/>
+            </a:schemeClr>
+          </a:lnRef>
+          <a:fillRef idx="1">
+            <a:schemeClr val="accent1"/>
+          </a:fillRef>
+          <a:effectRef idx="0">
+            <a:schemeClr val="accent1"/>
+          </a:effectRef>
+          <a:fontRef idx="minor">
+            <a:schemeClr val="lt1"/>
+          </a:fontRef>
+        </p:style>
+        <p:txBody>
+          <a:bodyPr rtlCol="0" anchor="ctr"/>
+          <a:lstStyle/>
+          <a:p>
+            <a:pPr algn="ctr"/>
+            <a:r>
+              <a:rPr lang="en-AU" dirty="0">
+                <a:solidFill>
+                  <a:sysClr val="windowText" lastClr="000000"/>
+                </a:solidFill>
+              </a:rPr>
+              <a:t>14</a:t>
+            </a:r>
+          </a:p>
+        </p:txBody>
+      </p:sp>
+      <p:sp>
+        <p:nvSpPr>
+          <p:cNvPr id="117" name="Rectangle: Rounded Corners 116">
+            <a:extLst>
+              <a:ext uri="{FF2B5EF4-FFF2-40B4-BE49-F238E27FC236}">
+                <a16:creationId xmlns:a16="http://schemas.microsoft.com/office/drawing/2014/main" id="{57DA4CDE-0155-46AE-9CB4-8BE0D158B20E}"/>
+              </a:ext>
+            </a:extLst>
+          </p:cNvPr>
+          <p:cNvSpPr/>
+          <p:nvPr/>
+        </p:nvSpPr>
+        <p:spPr>
+          <a:xfrm>
+            <a:off x="637481" y="8644099"/>
+            <a:ext cx="449234" cy="276536"/>
+          </a:xfrm>
+          <a:prstGeom prst="roundRect">
+            <a:avLst/>
+          </a:prstGeom>
+          <a:solidFill>
+            <a:srgbClr val="00B050"/>
+          </a:solidFill>
+        </p:spPr>
+        <p:style>
+          <a:lnRef idx="2">
+            <a:schemeClr val="accent1">
+              <a:shade val="50000"/>
+            </a:schemeClr>
+          </a:lnRef>
+          <a:fillRef idx="1">
+            <a:schemeClr val="accent1"/>
+          </a:fillRef>
+          <a:effectRef idx="0">
+            <a:schemeClr val="accent1"/>
+          </a:effectRef>
+          <a:fontRef idx="minor">
+            <a:schemeClr val="lt1"/>
+          </a:fontRef>
+        </p:style>
+        <p:txBody>
+          <a:bodyPr rtlCol="0" anchor="ctr"/>
+          <a:lstStyle/>
+          <a:p>
+            <a:pPr algn="ctr"/>
+            <a:r>
+              <a:rPr lang="en-AU" dirty="0">
+                <a:solidFill>
+                  <a:sysClr val="windowText" lastClr="000000"/>
+                </a:solidFill>
+              </a:rPr>
+              <a:t>14</a:t>
+            </a:r>
+          </a:p>
+        </p:txBody>
+      </p:sp>
+      <p:sp>
+        <p:nvSpPr>
+          <p:cNvPr id="118" name="TextBox 117">
+            <a:extLst>
+              <a:ext uri="{FF2B5EF4-FFF2-40B4-BE49-F238E27FC236}">
+                <a16:creationId xmlns:a16="http://schemas.microsoft.com/office/drawing/2014/main" id="{47D36FCF-40B9-48DE-88D5-A391A07DF7A7}"/>
+              </a:ext>
+            </a:extLst>
+          </p:cNvPr>
+          <p:cNvSpPr txBox="1"/>
+          <p:nvPr/>
+        </p:nvSpPr>
+        <p:spPr>
+          <a:xfrm>
+            <a:off x="1076865" y="7497244"/>
+            <a:ext cx="5657853" cy="307777"/>
+          </a:xfrm>
+          <a:prstGeom prst="rect">
+            <a:avLst/>
+          </a:prstGeom>
+          <a:noFill/>
+        </p:spPr>
+        <p:txBody>
+          <a:bodyPr wrap="square" rtlCol="0">
+            <a:spAutoFit/>
+          </a:bodyPr>
+          <a:lstStyle/>
+          <a:p>
+            <a:r>
+              <a:rPr lang="en-AU" sz="1400" dirty="0"/>
+              <a:t>Shell size 14, #20 pin-receptacle, socket-plug, keyway N</a:t>
+            </a:r>
+          </a:p>
+        </p:txBody>
+      </p:sp>
+      <p:sp>
+        <p:nvSpPr>
+          <p:cNvPr id="119" name="TextBox 118">
+            <a:extLst>
+              <a:ext uri="{FF2B5EF4-FFF2-40B4-BE49-F238E27FC236}">
+                <a16:creationId xmlns:a16="http://schemas.microsoft.com/office/drawing/2014/main" id="{189627B1-89EC-434E-A519-70CC555B9B02}"/>
+              </a:ext>
+            </a:extLst>
+          </p:cNvPr>
+          <p:cNvSpPr txBox="1"/>
+          <p:nvPr/>
+        </p:nvSpPr>
+        <p:spPr>
+          <a:xfrm>
+            <a:off x="1086715" y="8053446"/>
+            <a:ext cx="5657853" cy="307777"/>
+          </a:xfrm>
+          <a:prstGeom prst="rect">
+            <a:avLst/>
+          </a:prstGeom>
+          <a:noFill/>
+        </p:spPr>
+        <p:txBody>
+          <a:bodyPr wrap="square" rtlCol="0">
+            <a:spAutoFit/>
+          </a:bodyPr>
+          <a:lstStyle/>
+          <a:p>
+            <a:r>
+              <a:rPr lang="en-AU" sz="1400" dirty="0"/>
+              <a:t>Shell size 14, #20 pin-receptacle, socket-plug, keyway A</a:t>
+            </a:r>
+          </a:p>
+        </p:txBody>
+      </p:sp>
+      <p:sp>
+        <p:nvSpPr>
+          <p:cNvPr id="120" name="TextBox 119">
+            <a:extLst>
+              <a:ext uri="{FF2B5EF4-FFF2-40B4-BE49-F238E27FC236}">
+                <a16:creationId xmlns:a16="http://schemas.microsoft.com/office/drawing/2014/main" id="{97EF2440-99FA-49E5-B897-D42516A34271}"/>
+              </a:ext>
+            </a:extLst>
+          </p:cNvPr>
+          <p:cNvSpPr txBox="1"/>
+          <p:nvPr/>
+        </p:nvSpPr>
+        <p:spPr>
+          <a:xfrm>
+            <a:off x="1086715" y="8636951"/>
+            <a:ext cx="5657853" cy="307777"/>
+          </a:xfrm>
+          <a:prstGeom prst="rect">
+            <a:avLst/>
+          </a:prstGeom>
+          <a:noFill/>
+        </p:spPr>
+        <p:txBody>
+          <a:bodyPr wrap="square" rtlCol="0">
+            <a:spAutoFit/>
+          </a:bodyPr>
+          <a:lstStyle/>
+          <a:p>
+            <a:r>
+              <a:rPr lang="en-AU" sz="1400" dirty="0"/>
+              <a:t>Shell size 14, #20 socket-receptacle, pin-plug, keyway N</a:t>
+            </a:r>
+          </a:p>
+        </p:txBody>
+      </p:sp>
+      <p:sp>
+        <p:nvSpPr>
+          <p:cNvPr id="121" name="TextBox 120">
+            <a:extLst>
+              <a:ext uri="{FF2B5EF4-FFF2-40B4-BE49-F238E27FC236}">
+                <a16:creationId xmlns:a16="http://schemas.microsoft.com/office/drawing/2014/main" id="{A5142D9A-05AE-4BFF-B30F-8FE53FDEC3A7}"/>
+              </a:ext>
+            </a:extLst>
+          </p:cNvPr>
+          <p:cNvSpPr txBox="1"/>
+          <p:nvPr/>
+        </p:nvSpPr>
+        <p:spPr>
+          <a:xfrm>
+            <a:off x="2213061" y="7047936"/>
+            <a:ext cx="970250" cy="369332"/>
+          </a:xfrm>
+          <a:prstGeom prst="rect">
+            <a:avLst/>
+          </a:prstGeom>
+          <a:noFill/>
+        </p:spPr>
+        <p:txBody>
+          <a:bodyPr wrap="square" rtlCol="0">
+            <a:spAutoFit/>
+          </a:bodyPr>
+          <a:lstStyle/>
+          <a:p>
+            <a:r>
+              <a:rPr lang="en-AU" b="1" dirty="0"/>
+              <a:t>LEGEND</a:t>
+            </a:r>
+          </a:p>
+        </p:txBody>
+      </p:sp>
+      <p:sp>
+        <p:nvSpPr>
+          <p:cNvPr id="71" name="Rectangle: Rounded Corners 70">
+            <a:extLst>
+              <a:ext uri="{FF2B5EF4-FFF2-40B4-BE49-F238E27FC236}">
+                <a16:creationId xmlns:a16="http://schemas.microsoft.com/office/drawing/2014/main" id="{699693BA-D669-445B-A3ED-0B33AB88D91A}"/>
+              </a:ext>
+            </a:extLst>
+          </p:cNvPr>
+          <p:cNvSpPr/>
+          <p:nvPr/>
+        </p:nvSpPr>
+        <p:spPr>
+          <a:xfrm>
+            <a:off x="9918064" y="3134707"/>
+            <a:ext cx="449234" cy="276536"/>
+          </a:xfrm>
+          <a:prstGeom prst="roundRect">
+            <a:avLst/>
+          </a:prstGeom>
+          <a:solidFill>
+            <a:srgbClr val="FFFF00"/>
+          </a:solidFill>
+        </p:spPr>
+        <p:style>
+          <a:lnRef idx="2">
+            <a:schemeClr val="accent1">
+              <a:shade val="50000"/>
+            </a:schemeClr>
+          </a:lnRef>
+          <a:fillRef idx="1">
+            <a:schemeClr val="accent1"/>
+          </a:fillRef>
+          <a:effectRef idx="0">
+            <a:schemeClr val="accent1"/>
+          </a:effectRef>
+          <a:fontRef idx="minor">
+            <a:schemeClr val="lt1"/>
+          </a:fontRef>
+        </p:style>
+        <p:txBody>
+          <a:bodyPr rtlCol="0" anchor="ctr"/>
+          <a:lstStyle/>
+          <a:p>
+            <a:pPr algn="ctr"/>
+            <a:r>
+              <a:rPr lang="en-AU" dirty="0">
+                <a:solidFill>
+                  <a:sysClr val="windowText" lastClr="000000"/>
+                </a:solidFill>
+              </a:rPr>
+              <a:t>10</a:t>
+            </a:r>
+          </a:p>
+        </p:txBody>
+      </p:sp>
+      <p:sp>
+        <p:nvSpPr>
+          <p:cNvPr id="80" name="Rectangle: Rounded Corners 79">
+            <a:extLst>
+              <a:ext uri="{FF2B5EF4-FFF2-40B4-BE49-F238E27FC236}">
+                <a16:creationId xmlns:a16="http://schemas.microsoft.com/office/drawing/2014/main" id="{FE4883AA-AC5F-42D7-B797-7F675FC3BA18}"/>
+              </a:ext>
+            </a:extLst>
+          </p:cNvPr>
+          <p:cNvSpPr/>
+          <p:nvPr/>
+        </p:nvSpPr>
+        <p:spPr>
+          <a:xfrm>
+            <a:off x="13398423" y="6412141"/>
+            <a:ext cx="449234" cy="276536"/>
+          </a:xfrm>
+          <a:prstGeom prst="roundRect">
+            <a:avLst/>
+          </a:prstGeom>
+          <a:solidFill>
+            <a:srgbClr val="FF0000"/>
+          </a:solidFill>
+        </p:spPr>
+        <p:style>
+          <a:lnRef idx="2">
+            <a:schemeClr val="accent1">
+              <a:shade val="50000"/>
+            </a:schemeClr>
+          </a:lnRef>
+          <a:fillRef idx="1">
+            <a:schemeClr val="accent1"/>
+          </a:fillRef>
+          <a:effectRef idx="0">
+            <a:schemeClr val="accent1"/>
+          </a:effectRef>
+          <a:fontRef idx="minor">
+            <a:schemeClr val="lt1"/>
+          </a:fontRef>
+        </p:style>
+        <p:txBody>
+          <a:bodyPr rtlCol="0" anchor="ctr"/>
+          <a:lstStyle/>
+          <a:p>
+            <a:pPr algn="ctr"/>
+            <a:r>
+              <a:rPr lang="en-AU" dirty="0"/>
+              <a:t>12</a:t>
+            </a:r>
+          </a:p>
+        </p:txBody>
+      </p:sp>
+      <p:sp>
+        <p:nvSpPr>
+          <p:cNvPr id="3" name="TextBox 2">
+            <a:extLst>
+              <a:ext uri="{FF2B5EF4-FFF2-40B4-BE49-F238E27FC236}">
+                <a16:creationId xmlns:a16="http://schemas.microsoft.com/office/drawing/2014/main" id="{D363D170-F557-4DAB-ADDC-AB4A7AE06F8A}"/>
+              </a:ext>
+            </a:extLst>
+          </p:cNvPr>
+          <p:cNvSpPr txBox="1"/>
+          <p:nvPr/>
+        </p:nvSpPr>
+        <p:spPr>
+          <a:xfrm>
+            <a:off x="11491190" y="6932276"/>
+            <a:ext cx="317716" cy="369332"/>
+          </a:xfrm>
+          <a:prstGeom prst="rect">
+            <a:avLst/>
+          </a:prstGeom>
+          <a:noFill/>
+        </p:spPr>
+        <p:txBody>
+          <a:bodyPr wrap="none" rtlCol="0">
+            <a:spAutoFit/>
+          </a:bodyPr>
+          <a:lstStyle/>
+          <a:p>
+            <a:r>
+              <a:rPr lang="en-AU" dirty="0"/>
+              <a:t>A</a:t>
+            </a:r>
+          </a:p>
+        </p:txBody>
+      </p:sp>
+      <p:sp>
+        <p:nvSpPr>
+          <p:cNvPr id="10" name="TextBox 9">
+            <a:extLst>
+              <a:ext uri="{FF2B5EF4-FFF2-40B4-BE49-F238E27FC236}">
+                <a16:creationId xmlns:a16="http://schemas.microsoft.com/office/drawing/2014/main" id="{FD053D0D-32AF-4765-B66B-1D5DE6B79D28}"/>
+              </a:ext>
+            </a:extLst>
+          </p:cNvPr>
+          <p:cNvSpPr txBox="1"/>
+          <p:nvPr/>
+        </p:nvSpPr>
+        <p:spPr>
+          <a:xfrm>
+            <a:off x="9389835" y="5584115"/>
+            <a:ext cx="309700" cy="369332"/>
+          </a:xfrm>
+          <a:prstGeom prst="rect">
+            <a:avLst/>
+          </a:prstGeom>
+          <a:noFill/>
+        </p:spPr>
+        <p:txBody>
+          <a:bodyPr wrap="none" rtlCol="0">
+            <a:spAutoFit/>
+          </a:bodyPr>
+          <a:lstStyle/>
+          <a:p>
+            <a:r>
+              <a:rPr lang="en-AU" dirty="0"/>
+              <a:t>B</a:t>
+            </a:r>
+          </a:p>
+        </p:txBody>
+      </p:sp>
+      <p:sp>
+        <p:nvSpPr>
+          <p:cNvPr id="11" name="TextBox 10">
+            <a:extLst>
+              <a:ext uri="{FF2B5EF4-FFF2-40B4-BE49-F238E27FC236}">
+                <a16:creationId xmlns:a16="http://schemas.microsoft.com/office/drawing/2014/main" id="{027B1185-37A5-428E-BAB4-82DF2CFE1C0C}"/>
+              </a:ext>
+            </a:extLst>
+          </p:cNvPr>
+          <p:cNvSpPr txBox="1"/>
+          <p:nvPr/>
+        </p:nvSpPr>
+        <p:spPr>
+          <a:xfrm>
+            <a:off x="5941186" y="3226992"/>
+            <a:ext cx="308098" cy="369332"/>
+          </a:xfrm>
+          <a:prstGeom prst="rect">
+            <a:avLst/>
+          </a:prstGeom>
+          <a:noFill/>
+        </p:spPr>
+        <p:txBody>
+          <a:bodyPr wrap="none" rtlCol="0">
+            <a:spAutoFit/>
+          </a:bodyPr>
+          <a:lstStyle/>
+          <a:p>
+            <a:r>
+              <a:rPr lang="en-AU" dirty="0"/>
+              <a:t>C</a:t>
+            </a:r>
+          </a:p>
+        </p:txBody>
+      </p:sp>
+      <p:sp>
+        <p:nvSpPr>
+          <p:cNvPr id="12" name="TextBox 11">
+            <a:extLst>
+              <a:ext uri="{FF2B5EF4-FFF2-40B4-BE49-F238E27FC236}">
+                <a16:creationId xmlns:a16="http://schemas.microsoft.com/office/drawing/2014/main" id="{790FB73C-834B-4316-A505-708FB73551D4}"/>
+              </a:ext>
+            </a:extLst>
+          </p:cNvPr>
+          <p:cNvSpPr txBox="1"/>
+          <p:nvPr/>
+        </p:nvSpPr>
+        <p:spPr>
+          <a:xfrm>
+            <a:off x="9544685" y="8575396"/>
+            <a:ext cx="327334" cy="369332"/>
+          </a:xfrm>
+          <a:prstGeom prst="rect">
+            <a:avLst/>
+          </a:prstGeom>
+          <a:noFill/>
+        </p:spPr>
+        <p:txBody>
+          <a:bodyPr wrap="none" rtlCol="0">
+            <a:spAutoFit/>
+          </a:bodyPr>
+          <a:lstStyle/>
+          <a:p>
+            <a:r>
+              <a:rPr lang="en-AU" dirty="0"/>
+              <a:t>D</a:t>
+            </a:r>
+          </a:p>
+        </p:txBody>
+      </p:sp>
+      <p:sp>
+        <p:nvSpPr>
+          <p:cNvPr id="13" name="TextBox 12">
+            <a:extLst>
+              <a:ext uri="{FF2B5EF4-FFF2-40B4-BE49-F238E27FC236}">
+                <a16:creationId xmlns:a16="http://schemas.microsoft.com/office/drawing/2014/main" id="{7C938D7E-A6C9-4E5C-BA00-64916A4EC229}"/>
+              </a:ext>
+            </a:extLst>
+          </p:cNvPr>
+          <p:cNvSpPr txBox="1"/>
+          <p:nvPr/>
+        </p:nvSpPr>
+        <p:spPr>
+          <a:xfrm>
+            <a:off x="8725527" y="2538068"/>
+            <a:ext cx="296876" cy="369332"/>
+          </a:xfrm>
+          <a:prstGeom prst="rect">
+            <a:avLst/>
+          </a:prstGeom>
+          <a:noFill/>
+        </p:spPr>
+        <p:txBody>
+          <a:bodyPr wrap="none" rtlCol="0">
+            <a:spAutoFit/>
+          </a:bodyPr>
+          <a:lstStyle/>
+          <a:p>
+            <a:r>
+              <a:rPr lang="en-AU" dirty="0"/>
+              <a:t>E</a:t>
+            </a:r>
+          </a:p>
+        </p:txBody>
+      </p:sp>
+      <p:sp>
+        <p:nvSpPr>
+          <p:cNvPr id="15" name="TextBox 14">
+            <a:extLst>
+              <a:ext uri="{FF2B5EF4-FFF2-40B4-BE49-F238E27FC236}">
+                <a16:creationId xmlns:a16="http://schemas.microsoft.com/office/drawing/2014/main" id="{1DAB02DA-2269-47FC-8576-34F641873D21}"/>
+              </a:ext>
+            </a:extLst>
+          </p:cNvPr>
+          <p:cNvSpPr txBox="1"/>
+          <p:nvPr/>
+        </p:nvSpPr>
+        <p:spPr>
+          <a:xfrm>
+            <a:off x="3120279" y="4634539"/>
+            <a:ext cx="290464" cy="369332"/>
+          </a:xfrm>
+          <a:prstGeom prst="rect">
+            <a:avLst/>
+          </a:prstGeom>
+          <a:noFill/>
+        </p:spPr>
+        <p:txBody>
+          <a:bodyPr wrap="none" rtlCol="0">
+            <a:spAutoFit/>
+          </a:bodyPr>
+          <a:lstStyle/>
+          <a:p>
+            <a:r>
+              <a:rPr lang="en-AU" dirty="0"/>
+              <a:t>F</a:t>
+            </a:r>
+          </a:p>
+        </p:txBody>
+      </p:sp>
+    </p:spTree>
+    <p:extLst>
+      <p:ext uri="{BB962C8B-B14F-4D97-AF65-F5344CB8AC3E}">
+        <p14:creationId xmlns:p14="http://schemas.microsoft.com/office/powerpoint/2010/main" val="3024378096"/>
+      </p:ext>
+    </p:extLst>
+  </p:cSld>
+  <p:clrMapOvr>
+    <a:masterClrMapping/>
+  </p:clrMapOvr>
+</p:sld>
+</file>
+
+<file path=ppt/slides/slide3.xml><?xml version="1.0" encoding="utf-8"?>
+<p:sld xmlns:a="http://schemas.openxmlformats.org/drawingml/2006/main" xmlns:r="http://schemas.openxmlformats.org/officeDocument/2006/relationships" xmlns:p="http://schemas.openxmlformats.org/presentationml/2006/main">
+  <p:cSld>
+    <p:spTree>
+      <p:nvGrpSpPr>
+        <p:cNvPr id="1" name=""/>
+        <p:cNvGrpSpPr/>
+        <p:nvPr/>
+      </p:nvGrpSpPr>
+      <p:grpSpPr>
+        <a:xfrm>
+          <a:off x="0" y="0"/>
+          <a:ext cx="0" cy="0"/>
+          <a:chOff x="0" y="0"/>
+          <a:chExt cx="0" cy="0"/>
+        </a:xfrm>
+      </p:grpSpPr>
+      <p:sp>
+        <p:nvSpPr>
+          <p:cNvPr id="4" name="Rectangle 3">
+            <a:extLst>
+              <a:ext uri="{FF2B5EF4-FFF2-40B4-BE49-F238E27FC236}">
+                <a16:creationId xmlns:a16="http://schemas.microsoft.com/office/drawing/2014/main" id="{DB8969E4-E153-4F5D-86F8-793B4E237C0F}"/>
+              </a:ext>
+            </a:extLst>
+          </p:cNvPr>
+          <p:cNvSpPr/>
+          <p:nvPr/>
+        </p:nvSpPr>
+        <p:spPr>
+          <a:xfrm>
             <a:off x="2757054" y="3422072"/>
             <a:ext cx="1690255" cy="1219200"/>
           </a:xfrm>
@@ -8347,21 +11919,6 @@
 </file>
 
 <file path=customXml/item1.xml><?xml version="1.0" encoding="utf-8"?>
-<?mso-contentType ?>
-<FormTemplates xmlns="http://schemas.microsoft.com/sharepoint/v3/contenttype/forms">
-  <Display>DocumentLibraryForm</Display>
-  <Edit>DocumentLibraryForm</Edit>
-  <New>DocumentLibraryForm</New>
-</FormTemplates>
-</file>
-
-<file path=customXml/item2.xml><?xml version="1.0" encoding="utf-8"?>
-<p:properties xmlns:p="http://schemas.microsoft.com/office/2006/metadata/properties" xmlns:xsi="http://www.w3.org/2001/XMLSchema-instance" xmlns:pc="http://schemas.microsoft.com/office/infopath/2007/PartnerControls">
-  <documentManagement/>
-</p:properties>
-</file>
-
-<file path=customXml/item3.xml><?xml version="1.0" encoding="utf-8"?>
 <ct:contentTypeSchema xmlns:ct="http://schemas.microsoft.com/office/2006/metadata/contentType" xmlns:ma="http://schemas.microsoft.com/office/2006/metadata/properties/metaAttributes" ct:_="" ma:_="" ma:contentTypeName="Document" ma:contentTypeID="0x0101005B2269C321D291428214E3B7BAB1F930" ma:contentTypeVersion="9" ma:contentTypeDescription="Create a new document." ma:contentTypeScope="" ma:versionID="a93c0451cc2ae517b3967a74ba83d88c">
   <xsd:schema xmlns:xsd="http://www.w3.org/2001/XMLSchema" xmlns:xs="http://www.w3.org/2001/XMLSchema" xmlns:p="http://schemas.microsoft.com/office/2006/metadata/properties" xmlns:ns3="7841b51d-04ee-418e-97fd-c74c15e24a8e" xmlns:ns4="76347074-7300-44db-ab6c-c25fe4f0b6a8" targetNamespace="http://schemas.microsoft.com/office/2006/metadata/properties" ma:root="true" ma:fieldsID="63b6006672839523f351c366fd9635ec" ns3:_="" ns4:_="">
     <xsd:import namespace="7841b51d-04ee-418e-97fd-c74c15e24a8e"/>
@@ -8558,10 +12115,36 @@
 </ct:contentTypeSchema>
 </file>
 
+<file path=customXml/item2.xml><?xml version="1.0" encoding="utf-8"?>
+<p:properties xmlns:p="http://schemas.microsoft.com/office/2006/metadata/properties" xmlns:xsi="http://www.w3.org/2001/XMLSchema-instance" xmlns:pc="http://schemas.microsoft.com/office/infopath/2007/PartnerControls">
+  <documentManagement/>
+</p:properties>
+</file>
+
+<file path=customXml/item3.xml><?xml version="1.0" encoding="utf-8"?>
+<?mso-contentType ?>
+<FormTemplates xmlns="http://schemas.microsoft.com/sharepoint/v3/contenttype/forms">
+  <Display>DocumentLibraryForm</Display>
+  <Edit>DocumentLibraryForm</Edit>
+  <New>DocumentLibraryForm</New>
+</FormTemplates>
+</file>
+
 <file path=customXml/itemProps1.xml><?xml version="1.0" encoding="utf-8"?>
-<ds:datastoreItem xmlns:ds="http://schemas.openxmlformats.org/officeDocument/2006/customXml" ds:itemID="{B8F7EE57-2C50-4DB8-B3C7-4ADE0AEB952A}">
+<ds:datastoreItem xmlns:ds="http://schemas.openxmlformats.org/officeDocument/2006/customXml" ds:itemID="{EA6F5A3C-422F-492F-A461-C6E196406B2D}">
   <ds:schemaRefs>
-    <ds:schemaRef ds:uri="http://schemas.microsoft.com/sharepoint/v3/contenttype/forms"/>
+    <ds:schemaRef ds:uri="http://schemas.microsoft.com/office/2006/metadata/contentType"/>
+    <ds:schemaRef ds:uri="http://schemas.microsoft.com/office/2006/metadata/properties/metaAttributes"/>
+    <ds:schemaRef ds:uri="http://www.w3.org/2001/XMLSchema"/>
+    <ds:schemaRef ds:uri="http://schemas.microsoft.com/office/2006/metadata/properties"/>
+    <ds:schemaRef ds:uri="7841b51d-04ee-418e-97fd-c74c15e24a8e"/>
+    <ds:schemaRef ds:uri="76347074-7300-44db-ab6c-c25fe4f0b6a8"/>
+    <ds:schemaRef ds:uri="http://schemas.microsoft.com/office/2006/documentManagement/types"/>
+    <ds:schemaRef ds:uri="http://schemas.microsoft.com/office/infopath/2007/PartnerControls"/>
+    <ds:schemaRef ds:uri="http://schemas.openxmlformats.org/package/2006/metadata/core-properties"/>
+    <ds:schemaRef ds:uri="http://purl.org/dc/elements/1.1/"/>
+    <ds:schemaRef ds:uri="http://purl.org/dc/terms/"/>
+    <ds:schemaRef ds:uri="http://schemas.microsoft.com/internal/obd"/>
   </ds:schemaRefs>
 </ds:datastoreItem>
 </file>
@@ -8584,20 +12167,9 @@
 </file>
 
 <file path=customXml/itemProps3.xml><?xml version="1.0" encoding="utf-8"?>
-<ds:datastoreItem xmlns:ds="http://schemas.openxmlformats.org/officeDocument/2006/customXml" ds:itemID="{EA6F5A3C-422F-492F-A461-C6E196406B2D}">
+<ds:datastoreItem xmlns:ds="http://schemas.openxmlformats.org/officeDocument/2006/customXml" ds:itemID="{B8F7EE57-2C50-4DB8-B3C7-4ADE0AEB952A}">
   <ds:schemaRefs>
-    <ds:schemaRef ds:uri="http://schemas.microsoft.com/office/2006/metadata/contentType"/>
-    <ds:schemaRef ds:uri="http://schemas.microsoft.com/office/2006/metadata/properties/metaAttributes"/>
-    <ds:schemaRef ds:uri="http://www.w3.org/2001/XMLSchema"/>
-    <ds:schemaRef ds:uri="http://schemas.microsoft.com/office/2006/metadata/properties"/>
-    <ds:schemaRef ds:uri="7841b51d-04ee-418e-97fd-c74c15e24a8e"/>
-    <ds:schemaRef ds:uri="76347074-7300-44db-ab6c-c25fe4f0b6a8"/>
-    <ds:schemaRef ds:uri="http://schemas.microsoft.com/office/2006/documentManagement/types"/>
-    <ds:schemaRef ds:uri="http://schemas.microsoft.com/office/infopath/2007/PartnerControls"/>
-    <ds:schemaRef ds:uri="http://schemas.openxmlformats.org/package/2006/metadata/core-properties"/>
-    <ds:schemaRef ds:uri="http://purl.org/dc/elements/1.1/"/>
-    <ds:schemaRef ds:uri="http://purl.org/dc/terms/"/>
-    <ds:schemaRef ds:uri="http://schemas.microsoft.com/internal/obd"/>
+    <ds:schemaRef ds:uri="http://schemas.microsoft.com/sharepoint/v3/contenttype/forms"/>
   </ds:schemaRefs>
 </ds:datastoreItem>
 </file>